--- a/Intro to R Tidyverse Packages.pptx
+++ b/Intro to R Tidyverse Packages.pptx
@@ -6,18 +6,24 @@
     <p:sldMasterId id="2147483699" r:id="rId5"/>
   </p:sldMasterIdLst>
   <p:notesMasterIdLst>
-    <p:notesMasterId r:id="rId12"/>
+    <p:notesMasterId r:id="rId18"/>
   </p:notesMasterIdLst>
   <p:handoutMasterIdLst>
-    <p:handoutMasterId r:id="rId13"/>
+    <p:handoutMasterId r:id="rId19"/>
   </p:handoutMasterIdLst>
   <p:sldIdLst>
     <p:sldId id="256" r:id="rId6"/>
-    <p:sldId id="257" r:id="rId7"/>
-    <p:sldId id="258" r:id="rId8"/>
-    <p:sldId id="259" r:id="rId9"/>
-    <p:sldId id="261" r:id="rId10"/>
-    <p:sldId id="262" r:id="rId11"/>
+    <p:sldId id="263" r:id="rId7"/>
+    <p:sldId id="257" r:id="rId8"/>
+    <p:sldId id="268" r:id="rId9"/>
+    <p:sldId id="267" r:id="rId10"/>
+    <p:sldId id="264" r:id="rId11"/>
+    <p:sldId id="266" r:id="rId12"/>
+    <p:sldId id="265" r:id="rId13"/>
+    <p:sldId id="258" r:id="rId14"/>
+    <p:sldId id="259" r:id="rId15"/>
+    <p:sldId id="261" r:id="rId16"/>
+    <p:sldId id="262" r:id="rId17"/>
   </p:sldIdLst>
   <p:sldSz cx="12192000" cy="6858000"/>
   <p:notesSz cx="6858000" cy="9144000"/>
@@ -130,7 +136,7 @@
 <file path=ppt/revisionInfo.xml><?xml version="1.0" encoding="utf-8"?>
 <p1510:revInfo xmlns:a="http://schemas.openxmlformats.org/drawingml/2006/main" xmlns:r="http://schemas.openxmlformats.org/officeDocument/2006/relationships" xmlns:p1510="http://schemas.microsoft.com/office/powerpoint/2015/10/main">
   <p1510:revLst>
-    <p1510:client id="{0C112C9E-CD7D-432B-9AC2-C14DB99F9534}" v="56" dt="2019-12-16T02:00:11.695"/>
+    <p1510:client id="{043A7B70-0F9C-47E8-9F6C-1103D916131D}" v="31" dt="2020-05-06T20:27:49.196"/>
   </p1510:revLst>
 </p1510:revInfo>
 </file>
@@ -387,6 +393,275 @@
       </pc:sldChg>
     </pc:docChg>
   </pc:docChgLst>
+  <pc:docChgLst>
+    <pc:chgData name="Amit" userId="8ed874d40de90b81" providerId="LiveId" clId="{043A7B70-0F9C-47E8-9F6C-1103D916131D}"/>
+    <pc:docChg chg="undo custSel addSld delSld modSld">
+      <pc:chgData name="Amit" userId="8ed874d40de90b81" providerId="LiveId" clId="{043A7B70-0F9C-47E8-9F6C-1103D916131D}" dt="2020-05-06T20:27:49.194" v="469"/>
+      <pc:docMkLst>
+        <pc:docMk/>
+      </pc:docMkLst>
+      <pc:sldChg chg="modSp del mod">
+        <pc:chgData name="Amit" userId="8ed874d40de90b81" providerId="LiveId" clId="{043A7B70-0F9C-47E8-9F6C-1103D916131D}" dt="2020-05-06T20:15:30.884" v="308" actId="2696"/>
+        <pc:sldMkLst>
+          <pc:docMk/>
+          <pc:sldMk cId="1055119505" sldId="257"/>
+        </pc:sldMkLst>
+        <pc:spChg chg="mod">
+          <ac:chgData name="Amit" userId="8ed874d40de90b81" providerId="LiveId" clId="{043A7B70-0F9C-47E8-9F6C-1103D916131D}" dt="2020-05-06T19:51:19.077" v="250" actId="313"/>
+          <ac:spMkLst>
+            <pc:docMk/>
+            <pc:sldMk cId="1055119505" sldId="257"/>
+            <ac:spMk id="3" creationId="{1B2848F1-87A3-4F92-A084-329100BDF104}"/>
+          </ac:spMkLst>
+        </pc:spChg>
+      </pc:sldChg>
+      <pc:sldChg chg="add">
+        <pc:chgData name="Amit" userId="8ed874d40de90b81" providerId="LiveId" clId="{043A7B70-0F9C-47E8-9F6C-1103D916131D}" dt="2020-05-06T20:27:49.194" v="469"/>
+        <pc:sldMkLst>
+          <pc:docMk/>
+          <pc:sldMk cId="3083750619" sldId="257"/>
+        </pc:sldMkLst>
+      </pc:sldChg>
+      <pc:sldChg chg="modSp add del mod">
+        <pc:chgData name="Amit" userId="8ed874d40de90b81" providerId="LiveId" clId="{043A7B70-0F9C-47E8-9F6C-1103D916131D}" dt="2020-05-06T20:27:47.955" v="468" actId="2696"/>
+        <pc:sldMkLst>
+          <pc:docMk/>
+          <pc:sldMk cId="3483686919" sldId="257"/>
+        </pc:sldMkLst>
+        <pc:spChg chg="mod">
+          <ac:chgData name="Amit" userId="8ed874d40de90b81" providerId="LiveId" clId="{043A7B70-0F9C-47E8-9F6C-1103D916131D}" dt="2020-05-06T20:27:09.728" v="455" actId="20577"/>
+          <ac:spMkLst>
+            <pc:docMk/>
+            <pc:sldMk cId="3483686919" sldId="257"/>
+            <ac:spMk id="2" creationId="{1E844446-16C9-417A-8456-CECD65DEDFD1}"/>
+          </ac:spMkLst>
+        </pc:spChg>
+        <pc:spChg chg="mod">
+          <ac:chgData name="Amit" userId="8ed874d40de90b81" providerId="LiveId" clId="{043A7B70-0F9C-47E8-9F6C-1103D916131D}" dt="2020-05-06T20:27:35.316" v="467" actId="20577"/>
+          <ac:spMkLst>
+            <pc:docMk/>
+            <pc:sldMk cId="3483686919" sldId="257"/>
+            <ac:spMk id="3" creationId="{1B2848F1-87A3-4F92-A084-329100BDF104}"/>
+          </ac:spMkLst>
+        </pc:spChg>
+      </pc:sldChg>
+      <pc:sldChg chg="modSp">
+        <pc:chgData name="Amit" userId="8ed874d40de90b81" providerId="LiveId" clId="{043A7B70-0F9C-47E8-9F6C-1103D916131D}" dt="2020-05-06T19:43:13.401" v="1"/>
+        <pc:sldMkLst>
+          <pc:docMk/>
+          <pc:sldMk cId="3178632618" sldId="258"/>
+        </pc:sldMkLst>
+        <pc:spChg chg="mod">
+          <ac:chgData name="Amit" userId="8ed874d40de90b81" providerId="LiveId" clId="{043A7B70-0F9C-47E8-9F6C-1103D916131D}" dt="2020-05-06T19:43:13.401" v="1"/>
+          <ac:spMkLst>
+            <pc:docMk/>
+            <pc:sldMk cId="3178632618" sldId="258"/>
+            <ac:spMk id="2" creationId="{CBABCE34-95ED-41B7-912C-2CE32042791A}"/>
+          </ac:spMkLst>
+        </pc:spChg>
+        <pc:spChg chg="mod">
+          <ac:chgData name="Amit" userId="8ed874d40de90b81" providerId="LiveId" clId="{043A7B70-0F9C-47E8-9F6C-1103D916131D}" dt="2020-05-06T19:43:13.401" v="1"/>
+          <ac:spMkLst>
+            <pc:docMk/>
+            <pc:sldMk cId="3178632618" sldId="258"/>
+            <ac:spMk id="3" creationId="{60D76398-F39B-4A7D-B94A-40B0E6C9A702}"/>
+          </ac:spMkLst>
+        </pc:spChg>
+      </pc:sldChg>
+      <pc:sldChg chg="modSp new mod">
+        <pc:chgData name="Amit" userId="8ed874d40de90b81" providerId="LiveId" clId="{043A7B70-0F9C-47E8-9F6C-1103D916131D}" dt="2020-05-06T19:49:05.826" v="232" actId="20577"/>
+        <pc:sldMkLst>
+          <pc:docMk/>
+          <pc:sldMk cId="464605018" sldId="263"/>
+        </pc:sldMkLst>
+        <pc:spChg chg="mod">
+          <ac:chgData name="Amit" userId="8ed874d40de90b81" providerId="LiveId" clId="{043A7B70-0F9C-47E8-9F6C-1103D916131D}" dt="2020-05-06T19:43:38.051" v="7" actId="20577"/>
+          <ac:spMkLst>
+            <pc:docMk/>
+            <pc:sldMk cId="464605018" sldId="263"/>
+            <ac:spMk id="2" creationId="{E4E40DE7-1889-4867-AA40-A6BE6DF17FEE}"/>
+          </ac:spMkLst>
+        </pc:spChg>
+        <pc:spChg chg="mod">
+          <ac:chgData name="Amit" userId="8ed874d40de90b81" providerId="LiveId" clId="{043A7B70-0F9C-47E8-9F6C-1103D916131D}" dt="2020-05-06T19:49:05.826" v="232" actId="20577"/>
+          <ac:spMkLst>
+            <pc:docMk/>
+            <pc:sldMk cId="464605018" sldId="263"/>
+            <ac:spMk id="3" creationId="{3C25FA5A-526A-432E-848D-DAED942EC76F}"/>
+          </ac:spMkLst>
+        </pc:spChg>
+      </pc:sldChg>
+      <pc:sldChg chg="add">
+        <pc:chgData name="Amit" userId="8ed874d40de90b81" providerId="LiveId" clId="{043A7B70-0F9C-47E8-9F6C-1103D916131D}" dt="2020-05-06T20:15:20.968" v="305"/>
+        <pc:sldMkLst>
+          <pc:docMk/>
+          <pc:sldMk cId="3908490442" sldId="264"/>
+        </pc:sldMkLst>
+      </pc:sldChg>
+      <pc:sldChg chg="addSp delSp modSp new del mod">
+        <pc:chgData name="Amit" userId="8ed874d40de90b81" providerId="LiveId" clId="{043A7B70-0F9C-47E8-9F6C-1103D916131D}" dt="2020-05-06T20:15:16.814" v="304" actId="2696"/>
+        <pc:sldMkLst>
+          <pc:docMk/>
+          <pc:sldMk cId="4200372276" sldId="264"/>
+        </pc:sldMkLst>
+        <pc:spChg chg="del">
+          <ac:chgData name="Amit" userId="8ed874d40de90b81" providerId="LiveId" clId="{043A7B70-0F9C-47E8-9F6C-1103D916131D}" dt="2020-05-06T20:00:22.457" v="252" actId="478"/>
+          <ac:spMkLst>
+            <pc:docMk/>
+            <pc:sldMk cId="4200372276" sldId="264"/>
+            <ac:spMk id="3" creationId="{3E34040E-C9F7-4CC3-AFAD-B547A342C29B}"/>
+          </ac:spMkLst>
+        </pc:spChg>
+        <pc:spChg chg="add mod">
+          <ac:chgData name="Amit" userId="8ed874d40de90b81" providerId="LiveId" clId="{043A7B70-0F9C-47E8-9F6C-1103D916131D}" dt="2020-05-06T20:00:45.556" v="257" actId="1076"/>
+          <ac:spMkLst>
+            <pc:docMk/>
+            <pc:sldMk cId="4200372276" sldId="264"/>
+            <ac:spMk id="5" creationId="{522A3865-7290-4136-B421-312983D723B9}"/>
+          </ac:spMkLst>
+        </pc:spChg>
+        <pc:picChg chg="add">
+          <ac:chgData name="Amit" userId="8ed874d40de90b81" providerId="LiveId" clId="{043A7B70-0F9C-47E8-9F6C-1103D916131D}" dt="2020-05-06T20:00:23.666" v="253"/>
+          <ac:picMkLst>
+            <pc:docMk/>
+            <pc:sldMk cId="4200372276" sldId="264"/>
+            <ac:picMk id="4" creationId="{674DB5AE-E6F9-42EB-9E3E-FC6540EBAFB8}"/>
+          </ac:picMkLst>
+        </pc:picChg>
+      </pc:sldChg>
+      <pc:sldChg chg="modSp add mod">
+        <pc:chgData name="Amit" userId="8ed874d40de90b81" providerId="LiveId" clId="{043A7B70-0F9C-47E8-9F6C-1103D916131D}" dt="2020-05-06T20:10:25.083" v="263" actId="20577"/>
+        <pc:sldMkLst>
+          <pc:docMk/>
+          <pc:sldMk cId="4042858653" sldId="265"/>
+        </pc:sldMkLst>
+        <pc:spChg chg="mod">
+          <ac:chgData name="Amit" userId="8ed874d40de90b81" providerId="LiveId" clId="{043A7B70-0F9C-47E8-9F6C-1103D916131D}" dt="2020-05-06T20:10:25.083" v="263" actId="20577"/>
+          <ac:spMkLst>
+            <pc:docMk/>
+            <pc:sldMk cId="4042858653" sldId="265"/>
+            <ac:spMk id="2" creationId="{CBABCE34-95ED-41B7-912C-2CE32042791A}"/>
+          </ac:spMkLst>
+        </pc:spChg>
+      </pc:sldChg>
+      <pc:sldChg chg="addSp modSp add mod">
+        <pc:chgData name="Amit" userId="8ed874d40de90b81" providerId="LiveId" clId="{043A7B70-0F9C-47E8-9F6C-1103D916131D}" dt="2020-05-06T20:23:56.795" v="422" actId="1582"/>
+        <pc:sldMkLst>
+          <pc:docMk/>
+          <pc:sldMk cId="117241437" sldId="266"/>
+        </pc:sldMkLst>
+        <pc:spChg chg="mod">
+          <ac:chgData name="Amit" userId="8ed874d40de90b81" providerId="LiveId" clId="{043A7B70-0F9C-47E8-9F6C-1103D916131D}" dt="2020-05-06T20:22:49.682" v="409" actId="1076"/>
+          <ac:spMkLst>
+            <pc:docMk/>
+            <pc:sldMk cId="117241437" sldId="266"/>
+            <ac:spMk id="3" creationId="{4495CEED-4040-4336-90C4-3031B98E4DB4}"/>
+          </ac:spMkLst>
+        </pc:spChg>
+        <pc:spChg chg="add mod">
+          <ac:chgData name="Amit" userId="8ed874d40de90b81" providerId="LiveId" clId="{043A7B70-0F9C-47E8-9F6C-1103D916131D}" dt="2020-05-06T20:22:37.928" v="407" actId="1076"/>
+          <ac:spMkLst>
+            <pc:docMk/>
+            <pc:sldMk cId="117241437" sldId="266"/>
+            <ac:spMk id="4" creationId="{266D98A5-7352-4490-8A0D-5883BEED2968}"/>
+          </ac:spMkLst>
+        </pc:spChg>
+        <pc:spChg chg="add mod">
+          <ac:chgData name="Amit" userId="8ed874d40de90b81" providerId="LiveId" clId="{043A7B70-0F9C-47E8-9F6C-1103D916131D}" dt="2020-05-06T20:22:37.928" v="407" actId="1076"/>
+          <ac:spMkLst>
+            <pc:docMk/>
+            <pc:sldMk cId="117241437" sldId="266"/>
+            <ac:spMk id="5" creationId="{E01ABCB5-7F10-4009-B43A-287C17B3CA3A}"/>
+          </ac:spMkLst>
+        </pc:spChg>
+        <pc:spChg chg="add mod">
+          <ac:chgData name="Amit" userId="8ed874d40de90b81" providerId="LiveId" clId="{043A7B70-0F9C-47E8-9F6C-1103D916131D}" dt="2020-05-06T20:22:37.928" v="407" actId="1076"/>
+          <ac:spMkLst>
+            <pc:docMk/>
+            <pc:sldMk cId="117241437" sldId="266"/>
+            <ac:spMk id="6" creationId="{DFC38FB3-7622-4BD1-9DB1-02AD4000DFEC}"/>
+          </ac:spMkLst>
+        </pc:spChg>
+        <pc:cxnChg chg="add mod">
+          <ac:chgData name="Amit" userId="8ed874d40de90b81" providerId="LiveId" clId="{043A7B70-0F9C-47E8-9F6C-1103D916131D}" dt="2020-05-06T20:23:56.795" v="422" actId="1582"/>
+          <ac:cxnSpMkLst>
+            <pc:docMk/>
+            <pc:sldMk cId="117241437" sldId="266"/>
+            <ac:cxnSpMk id="8" creationId="{89706DAC-A60B-4763-97C7-950E844F1E06}"/>
+          </ac:cxnSpMkLst>
+        </pc:cxnChg>
+        <pc:cxnChg chg="add mod">
+          <ac:chgData name="Amit" userId="8ed874d40de90b81" providerId="LiveId" clId="{043A7B70-0F9C-47E8-9F6C-1103D916131D}" dt="2020-05-06T20:23:56.795" v="422" actId="1582"/>
+          <ac:cxnSpMkLst>
+            <pc:docMk/>
+            <pc:sldMk cId="117241437" sldId="266"/>
+            <ac:cxnSpMk id="10" creationId="{1CBDCCA0-04C8-4898-AB58-9C688C131B0E}"/>
+          </ac:cxnSpMkLst>
+        </pc:cxnChg>
+        <pc:cxnChg chg="add mod">
+          <ac:chgData name="Amit" userId="8ed874d40de90b81" providerId="LiveId" clId="{043A7B70-0F9C-47E8-9F6C-1103D916131D}" dt="2020-05-06T20:23:56.795" v="422" actId="1582"/>
+          <ac:cxnSpMkLst>
+            <pc:docMk/>
+            <pc:sldMk cId="117241437" sldId="266"/>
+            <ac:cxnSpMk id="13" creationId="{782D3C3B-9BDA-4841-8976-71E9585EA9FB}"/>
+          </ac:cxnSpMkLst>
+        </pc:cxnChg>
+      </pc:sldChg>
+      <pc:sldChg chg="addSp delSp modSp add del mod">
+        <pc:chgData name="Amit" userId="8ed874d40de90b81" providerId="LiveId" clId="{043A7B70-0F9C-47E8-9F6C-1103D916131D}" dt="2020-05-06T20:15:22.476" v="306" actId="2696"/>
+        <pc:sldMkLst>
+          <pc:docMk/>
+          <pc:sldMk cId="2505284398" sldId="266"/>
+        </pc:sldMkLst>
+        <pc:spChg chg="add mod">
+          <ac:chgData name="Amit" userId="8ed874d40de90b81" providerId="LiveId" clId="{043A7B70-0F9C-47E8-9F6C-1103D916131D}" dt="2020-05-06T20:15:14.250" v="303" actId="20577"/>
+          <ac:spMkLst>
+            <pc:docMk/>
+            <pc:sldMk cId="2505284398" sldId="266"/>
+            <ac:spMk id="3" creationId="{4495CEED-4040-4336-90C4-3031B98E4DB4}"/>
+          </ac:spMkLst>
+        </pc:spChg>
+        <pc:spChg chg="del">
+          <ac:chgData name="Amit" userId="8ed874d40de90b81" providerId="LiveId" clId="{043A7B70-0F9C-47E8-9F6C-1103D916131D}" dt="2020-05-06T20:11:13.637" v="265" actId="478"/>
+          <ac:spMkLst>
+            <pc:docMk/>
+            <pc:sldMk cId="2505284398" sldId="266"/>
+            <ac:spMk id="5" creationId="{522A3865-7290-4136-B421-312983D723B9}"/>
+          </ac:spMkLst>
+        </pc:spChg>
+        <pc:picChg chg="del">
+          <ac:chgData name="Amit" userId="8ed874d40de90b81" providerId="LiveId" clId="{043A7B70-0F9C-47E8-9F6C-1103D916131D}" dt="2020-05-06T20:11:13.637" v="265" actId="478"/>
+          <ac:picMkLst>
+            <pc:docMk/>
+            <pc:sldMk cId="2505284398" sldId="266"/>
+            <ac:picMk id="4" creationId="{674DB5AE-E6F9-42EB-9E3E-FC6540EBAFB8}"/>
+          </ac:picMkLst>
+        </pc:picChg>
+      </pc:sldChg>
+      <pc:sldChg chg="new">
+        <pc:chgData name="Amit" userId="8ed874d40de90b81" providerId="LiveId" clId="{043A7B70-0F9C-47E8-9F6C-1103D916131D}" dt="2020-05-06T20:16:06.820" v="310" actId="680"/>
+        <pc:sldMkLst>
+          <pc:docMk/>
+          <pc:sldMk cId="3496057283" sldId="267"/>
+        </pc:sldMkLst>
+      </pc:sldChg>
+      <pc:sldChg chg="modSp new mod">
+        <pc:chgData name="Amit" userId="8ed874d40de90b81" providerId="LiveId" clId="{043A7B70-0F9C-47E8-9F6C-1103D916131D}" dt="2020-05-06T20:26:06.098" v="446" actId="20577"/>
+        <pc:sldMkLst>
+          <pc:docMk/>
+          <pc:sldMk cId="4230175987" sldId="268"/>
+        </pc:sldMkLst>
+        <pc:spChg chg="mod">
+          <ac:chgData name="Amit" userId="8ed874d40de90b81" providerId="LiveId" clId="{043A7B70-0F9C-47E8-9F6C-1103D916131D}" dt="2020-05-06T20:26:06.098" v="446" actId="20577"/>
+          <ac:spMkLst>
+            <pc:docMk/>
+            <pc:sldMk cId="4230175987" sldId="268"/>
+            <ac:spMk id="2" creationId="{EE3B24D9-0B08-46B9-B7E8-4A44C4C78BD3}"/>
+          </ac:spMkLst>
+        </pc:spChg>
+      </pc:sldChg>
+    </pc:docChg>
+  </pc:docChgLst>
 </pc:chgInfo>
 </file>
 
@@ -472,7 +747,7 @@
           <a:p>
             <a:fld id="{FADFE0AD-6CE3-154F-A2AD-E818703A9B49}" type="datetimeFigureOut">
               <a:rPr lang="en-US" smtClean="0"/>
-              <a:t>12/15/2019</a:t>
+              <a:t>5/6/2020</a:t>
             </a:fld>
             <a:endParaRPr lang="en-US"/>
           </a:p>
@@ -637,7 +912,7 @@
           <a:p>
             <a:fld id="{E598DA6C-6FD4-4148-B8A2-4742DA7EED87}" type="datetimeFigureOut">
               <a:rPr lang="en-US" smtClean="0"/>
-              <a:t>12/15/2019</a:t>
+              <a:t>5/6/2020</a:t>
             </a:fld>
             <a:endParaRPr lang="en-US"/>
           </a:p>
@@ -14065,7 +14340,7 @@
           <a:p>
             <a:fld id="{5D369EEC-BEE0-416B-9F33-F04A0A5388A8}" type="datetimeFigureOut">
               <a:rPr lang="en-US" smtClean="0"/>
-              <a:t>12/15/2019</a:t>
+              <a:t>5/6/2020</a:t>
             </a:fld>
             <a:endParaRPr lang="en-US"/>
           </a:p>
@@ -14770,7 +15045,7 @@
           <a:p>
             <a:fld id="{5D369EEC-BEE0-416B-9F33-F04A0A5388A8}" type="datetimeFigureOut">
               <a:rPr lang="en-US" smtClean="0"/>
-              <a:t>12/15/2019</a:t>
+              <a:t>5/6/2020</a:t>
             </a:fld>
             <a:endParaRPr lang="en-US"/>
           </a:p>
@@ -15045,7 +15320,7 @@
           <a:p>
             <a:fld id="{5D369EEC-BEE0-416B-9F33-F04A0A5388A8}" type="datetimeFigureOut">
               <a:rPr lang="en-US" smtClean="0"/>
-              <a:t>12/15/2019</a:t>
+              <a:t>5/6/2020</a:t>
             </a:fld>
             <a:endParaRPr lang="en-US"/>
           </a:p>
@@ -15310,7 +15585,7 @@
           <a:p>
             <a:fld id="{5D369EEC-BEE0-416B-9F33-F04A0A5388A8}" type="datetimeFigureOut">
               <a:rPr lang="en-US" smtClean="0"/>
-              <a:t>12/15/2019</a:t>
+              <a:t>5/6/2020</a:t>
             </a:fld>
             <a:endParaRPr lang="en-US"/>
           </a:p>
@@ -15722,7 +15997,7 @@
           <a:p>
             <a:fld id="{5D369EEC-BEE0-416B-9F33-F04A0A5388A8}" type="datetimeFigureOut">
               <a:rPr lang="en-US" smtClean="0"/>
-              <a:t>12/15/2019</a:t>
+              <a:t>5/6/2020</a:t>
             </a:fld>
             <a:endParaRPr lang="en-US"/>
           </a:p>
@@ -15863,7 +16138,7 @@
           <a:p>
             <a:fld id="{5D369EEC-BEE0-416B-9F33-F04A0A5388A8}" type="datetimeFigureOut">
               <a:rPr lang="en-US" smtClean="0"/>
-              <a:t>12/15/2019</a:t>
+              <a:t>5/6/2020</a:t>
             </a:fld>
             <a:endParaRPr lang="en-US"/>
           </a:p>
@@ -15976,7 +16251,7 @@
           <a:p>
             <a:fld id="{5D369EEC-BEE0-416B-9F33-F04A0A5388A8}" type="datetimeFigureOut">
               <a:rPr lang="en-US" smtClean="0"/>
-              <a:t>12/15/2019</a:t>
+              <a:t>5/6/2020</a:t>
             </a:fld>
             <a:endParaRPr lang="en-US"/>
           </a:p>
@@ -16287,7 +16562,7 @@
           <a:p>
             <a:fld id="{5D369EEC-BEE0-416B-9F33-F04A0A5388A8}" type="datetimeFigureOut">
               <a:rPr lang="en-US" smtClean="0"/>
-              <a:t>12/15/2019</a:t>
+              <a:t>5/6/2020</a:t>
             </a:fld>
             <a:endParaRPr lang="en-US"/>
           </a:p>
@@ -16575,7 +16850,7 @@
           <a:p>
             <a:fld id="{5D369EEC-BEE0-416B-9F33-F04A0A5388A8}" type="datetimeFigureOut">
               <a:rPr lang="en-US" smtClean="0"/>
-              <a:t>12/15/2019</a:t>
+              <a:t>5/6/2020</a:t>
             </a:fld>
             <a:endParaRPr lang="en-US"/>
           </a:p>
@@ -16773,7 +17048,7 @@
           <a:p>
             <a:fld id="{5D369EEC-BEE0-416B-9F33-F04A0A5388A8}" type="datetimeFigureOut">
               <a:rPr lang="en-US" smtClean="0"/>
-              <a:t>12/15/2019</a:t>
+              <a:t>5/6/2020</a:t>
             </a:fld>
             <a:endParaRPr lang="en-US"/>
           </a:p>
@@ -16981,7 +17256,7 @@
           <a:p>
             <a:fld id="{5D369EEC-BEE0-416B-9F33-F04A0A5388A8}" type="datetimeFigureOut">
               <a:rPr lang="en-US" smtClean="0"/>
-              <a:t>12/15/2019</a:t>
+              <a:t>5/6/2020</a:t>
             </a:fld>
             <a:endParaRPr lang="en-US"/>
           </a:p>
@@ -19703,7 +19978,7 @@
           <a:p>
             <a:fld id="{5D369EEC-BEE0-416B-9F33-F04A0A5388A8}" type="datetimeFigureOut">
               <a:rPr lang="en-US" smtClean="0"/>
-              <a:t>12/15/2019</a:t>
+              <a:t>5/6/2020</a:t>
             </a:fld>
             <a:endParaRPr lang="en-US"/>
           </a:p>
@@ -20214,398 +20489,7 @@
 </p:sld>
 </file>
 
-<file path=ppt/slides/slide2.xml><?xml version="1.0" encoding="utf-8"?>
-<p:sld xmlns:a="http://schemas.openxmlformats.org/drawingml/2006/main" xmlns:r="http://schemas.openxmlformats.org/officeDocument/2006/relationships" xmlns:p="http://schemas.openxmlformats.org/presentationml/2006/main">
-  <p:cSld>
-    <p:spTree>
-      <p:nvGrpSpPr>
-        <p:cNvPr id="1" name=""/>
-        <p:cNvGrpSpPr/>
-        <p:nvPr/>
-      </p:nvGrpSpPr>
-      <p:grpSpPr>
-        <a:xfrm>
-          <a:off x="0" y="0"/>
-          <a:ext cx="0" cy="0"/>
-          <a:chOff x="0" y="0"/>
-          <a:chExt cx="0" cy="0"/>
-        </a:xfrm>
-      </p:grpSpPr>
-      <p:sp>
-        <p:nvSpPr>
-          <p:cNvPr id="2" name="Title 1">
-            <a:extLst>
-              <a:ext uri="{FF2B5EF4-FFF2-40B4-BE49-F238E27FC236}">
-                <a16:creationId xmlns:a16="http://schemas.microsoft.com/office/drawing/2014/main" id="{1E844446-16C9-417A-8456-CECD65DEDFD1}"/>
-              </a:ext>
-            </a:extLst>
-          </p:cNvPr>
-          <p:cNvSpPr>
-            <a:spLocks noGrp="1"/>
-          </p:cNvSpPr>
-          <p:nvPr>
-            <p:ph type="title"/>
-          </p:nvPr>
-        </p:nvSpPr>
-        <p:spPr/>
-        <p:txBody>
-          <a:bodyPr/>
-          <a:lstStyle/>
-          <a:p>
-            <a:r>
-              <a:rPr lang="en-US" dirty="0"/>
-              <a:t>R and </a:t>
-            </a:r>
-            <a:r>
-              <a:rPr lang="en-US" dirty="0" err="1"/>
-              <a:t>Tidyverse</a:t>
-            </a:r>
-            <a:r>
-              <a:rPr lang="en-US" dirty="0"/>
-              <a:t> Resources</a:t>
-            </a:r>
-          </a:p>
-        </p:txBody>
-      </p:sp>
-      <p:sp>
-        <p:nvSpPr>
-          <p:cNvPr id="3" name="Text Placeholder 2">
-            <a:extLst>
-              <a:ext uri="{FF2B5EF4-FFF2-40B4-BE49-F238E27FC236}">
-                <a16:creationId xmlns:a16="http://schemas.microsoft.com/office/drawing/2014/main" id="{1B2848F1-87A3-4F92-A084-329100BDF104}"/>
-              </a:ext>
-            </a:extLst>
-          </p:cNvPr>
-          <p:cNvSpPr>
-            <a:spLocks noGrp="1"/>
-          </p:cNvSpPr>
-          <p:nvPr>
-            <p:ph type="body" sz="quarter" idx="10"/>
-          </p:nvPr>
-        </p:nvSpPr>
-        <p:spPr/>
-        <p:txBody>
-          <a:bodyPr/>
-          <a:lstStyle/>
-          <a:p>
-            <a:r>
-              <a:rPr lang="en-US" u="sng" dirty="0">
-                <a:solidFill>
-                  <a:schemeClr val="accent2"/>
-                </a:solidFill>
-                <a:hlinkClick r:id="rId2">
-                  <a:extLst>
-                    <a:ext uri="{A12FA001-AC4F-418D-AE19-62706E023703}">
-                      <ahyp:hlinkClr xmlns:ahyp="http://schemas.microsoft.com/office/drawing/2018/hyperlinkcolor" val="tx"/>
-                    </a:ext>
-                  </a:extLst>
-                </a:hlinkClick>
-              </a:rPr>
-              <a:t>R</a:t>
-            </a:r>
-            <a:endParaRPr lang="en-US" dirty="0">
-              <a:solidFill>
-                <a:schemeClr val="accent2"/>
-              </a:solidFill>
-            </a:endParaRPr>
-          </a:p>
-          <a:p>
-            <a:r>
-              <a:rPr lang="en-US" u="sng" dirty="0" err="1">
-                <a:solidFill>
-                  <a:schemeClr val="accent2"/>
-                </a:solidFill>
-                <a:hlinkClick r:id="rId3">
-                  <a:extLst>
-                    <a:ext uri="{A12FA001-AC4F-418D-AE19-62706E023703}">
-                      <ahyp:hlinkClr xmlns:ahyp="http://schemas.microsoft.com/office/drawing/2018/hyperlinkcolor" val="tx"/>
-                    </a:ext>
-                  </a:extLst>
-                </a:hlinkClick>
-              </a:rPr>
-              <a:t>Rstudio</a:t>
-            </a:r>
-            <a:endParaRPr lang="en-US" u="sng" dirty="0">
-              <a:solidFill>
-                <a:schemeClr val="accent2"/>
-              </a:solidFill>
-            </a:endParaRPr>
-          </a:p>
-          <a:p>
-            <a:r>
-              <a:rPr lang="en-US" u="sng" dirty="0" err="1">
-                <a:solidFill>
-                  <a:schemeClr val="accent2"/>
-                </a:solidFill>
-                <a:hlinkClick r:id="rId4">
-                  <a:extLst>
-                    <a:ext uri="{A12FA001-AC4F-418D-AE19-62706E023703}">
-                      <ahyp:hlinkClr xmlns:ahyp="http://schemas.microsoft.com/office/drawing/2018/hyperlinkcolor" val="tx"/>
-                    </a:ext>
-                  </a:extLst>
-                </a:hlinkClick>
-              </a:rPr>
-              <a:t>Tidyverse</a:t>
-            </a:r>
-            <a:endParaRPr lang="en-US" u="sng" dirty="0">
-              <a:solidFill>
-                <a:schemeClr val="accent2"/>
-              </a:solidFill>
-            </a:endParaRPr>
-          </a:p>
-          <a:p>
-            <a:r>
-              <a:rPr lang="en-US" u="sng" dirty="0">
-                <a:solidFill>
-                  <a:schemeClr val="accent2"/>
-                </a:solidFill>
-                <a:hlinkClick r:id="rId5">
-                  <a:extLst>
-                    <a:ext uri="{A12FA001-AC4F-418D-AE19-62706E023703}">
-                      <ahyp:hlinkClr xmlns:ahyp="http://schemas.microsoft.com/office/drawing/2018/hyperlinkcolor" val="tx"/>
-                    </a:ext>
-                  </a:extLst>
-                </a:hlinkClick>
-              </a:rPr>
-              <a:t>Hadley </a:t>
-            </a:r>
-            <a:r>
-              <a:rPr lang="en-US" u="sng" dirty="0" err="1">
-                <a:solidFill>
-                  <a:schemeClr val="accent2"/>
-                </a:solidFill>
-                <a:hlinkClick r:id="rId5">
-                  <a:extLst>
-                    <a:ext uri="{A12FA001-AC4F-418D-AE19-62706E023703}">
-                      <ahyp:hlinkClr xmlns:ahyp="http://schemas.microsoft.com/office/drawing/2018/hyperlinkcolor" val="tx"/>
-                    </a:ext>
-                  </a:extLst>
-                </a:hlinkClick>
-              </a:rPr>
-              <a:t>Wickam’s</a:t>
-            </a:r>
-            <a:r>
-              <a:rPr lang="en-US" u="sng" dirty="0">
-                <a:solidFill>
-                  <a:schemeClr val="accent2"/>
-                </a:solidFill>
-                <a:hlinkClick r:id="rId5">
-                  <a:extLst>
-                    <a:ext uri="{A12FA001-AC4F-418D-AE19-62706E023703}">
-                      <ahyp:hlinkClr xmlns:ahyp="http://schemas.microsoft.com/office/drawing/2018/hyperlinkcolor" val="tx"/>
-                    </a:ext>
-                  </a:extLst>
-                </a:hlinkClick>
-              </a:rPr>
-              <a:t> Paper “Tidy Data”</a:t>
-            </a:r>
-            <a:endParaRPr lang="en-US" u="sng" dirty="0">
-              <a:solidFill>
-                <a:schemeClr val="accent2"/>
-              </a:solidFill>
-            </a:endParaRPr>
-          </a:p>
-          <a:p>
-            <a:endParaRPr lang="en-US" dirty="0">
-              <a:solidFill>
-                <a:schemeClr val="accent2"/>
-              </a:solidFill>
-            </a:endParaRPr>
-          </a:p>
-        </p:txBody>
-      </p:sp>
-    </p:spTree>
-    <p:extLst>
-      <p:ext uri="{BB962C8B-B14F-4D97-AF65-F5344CB8AC3E}">
-        <p14:creationId xmlns:p14="http://schemas.microsoft.com/office/powerpoint/2010/main" val="1055119505"/>
-      </p:ext>
-    </p:extLst>
-  </p:cSld>
-  <p:clrMapOvr>
-    <a:masterClrMapping/>
-  </p:clrMapOvr>
-</p:sld>
-</file>
-
-<file path=ppt/slides/slide3.xml><?xml version="1.0" encoding="utf-8"?>
-<p:sld xmlns:a="http://schemas.openxmlformats.org/drawingml/2006/main" xmlns:r="http://schemas.openxmlformats.org/officeDocument/2006/relationships" xmlns:p="http://schemas.openxmlformats.org/presentationml/2006/main">
-  <p:cSld>
-    <p:spTree>
-      <p:nvGrpSpPr>
-        <p:cNvPr id="1" name=""/>
-        <p:cNvGrpSpPr/>
-        <p:nvPr/>
-      </p:nvGrpSpPr>
-      <p:grpSpPr>
-        <a:xfrm>
-          <a:off x="0" y="0"/>
-          <a:ext cx="0" cy="0"/>
-          <a:chOff x="0" y="0"/>
-          <a:chExt cx="0" cy="0"/>
-        </a:xfrm>
-      </p:grpSpPr>
-      <p:sp>
-        <p:nvSpPr>
-          <p:cNvPr id="2" name="Title 1">
-            <a:extLst>
-              <a:ext uri="{FF2B5EF4-FFF2-40B4-BE49-F238E27FC236}">
-                <a16:creationId xmlns:a16="http://schemas.microsoft.com/office/drawing/2014/main" id="{CBABCE34-95ED-41B7-912C-2CE32042791A}"/>
-              </a:ext>
-            </a:extLst>
-          </p:cNvPr>
-          <p:cNvSpPr>
-            <a:spLocks noGrp="1"/>
-          </p:cNvSpPr>
-          <p:nvPr>
-            <p:ph type="title"/>
-          </p:nvPr>
-        </p:nvSpPr>
-        <p:spPr/>
-        <p:txBody>
-          <a:bodyPr/>
-          <a:lstStyle/>
-          <a:p>
-            <a:r>
-              <a:rPr lang="en-US" dirty="0" err="1"/>
-              <a:t>dplyr</a:t>
-            </a:r>
-            <a:endParaRPr lang="en-US" dirty="0"/>
-          </a:p>
-        </p:txBody>
-      </p:sp>
-      <p:sp>
-        <p:nvSpPr>
-          <p:cNvPr id="3" name="Text Placeholder 2">
-            <a:extLst>
-              <a:ext uri="{FF2B5EF4-FFF2-40B4-BE49-F238E27FC236}">
-                <a16:creationId xmlns:a16="http://schemas.microsoft.com/office/drawing/2014/main" id="{60D76398-F39B-4A7D-B94A-40B0E6C9A702}"/>
-              </a:ext>
-            </a:extLst>
-          </p:cNvPr>
-          <p:cNvSpPr>
-            <a:spLocks noGrp="1"/>
-          </p:cNvSpPr>
-          <p:nvPr>
-            <p:ph type="body" sz="quarter" idx="10"/>
-          </p:nvPr>
-        </p:nvSpPr>
-        <p:spPr/>
-        <p:txBody>
-          <a:bodyPr/>
-          <a:lstStyle/>
-          <a:p>
-            <a:r>
-              <a:rPr lang="en-US" dirty="0"/>
-              <a:t>Pipes (%&gt;%): </a:t>
-            </a:r>
-            <a:r>
-              <a:rPr lang="en-US" dirty="0">
-                <a:solidFill>
-                  <a:schemeClr val="accent2"/>
-                </a:solidFill>
-                <a:hlinkClick r:id="rId2">
-                  <a:extLst>
-                    <a:ext uri="{A12FA001-AC4F-418D-AE19-62706E023703}">
-                      <ahyp:hlinkClr xmlns:ahyp="http://schemas.microsoft.com/office/drawing/2018/hyperlinkcolor" val="tx"/>
-                    </a:ext>
-                  </a:extLst>
-                </a:hlinkClick>
-              </a:rPr>
-              <a:t>https://uc-r.github.io/pipe</a:t>
-            </a:r>
-            <a:endParaRPr lang="en-US" dirty="0">
-              <a:solidFill>
-                <a:schemeClr val="accent2"/>
-              </a:solidFill>
-            </a:endParaRPr>
-          </a:p>
-          <a:p>
-            <a:r>
-              <a:rPr lang="en-US" dirty="0"/>
-              <a:t>Functions (</a:t>
-            </a:r>
-            <a:r>
-              <a:rPr lang="en-US" dirty="0">
-                <a:solidFill>
-                  <a:schemeClr val="accent2"/>
-                </a:solidFill>
-                <a:hlinkClick r:id="rId3">
-                  <a:extLst>
-                    <a:ext uri="{A12FA001-AC4F-418D-AE19-62706E023703}">
-                      <ahyp:hlinkClr xmlns:ahyp="http://schemas.microsoft.com/office/drawing/2018/hyperlinkcolor" val="tx"/>
-                    </a:ext>
-                  </a:extLst>
-                </a:hlinkClick>
-              </a:rPr>
-              <a:t>https://dplyr.tidyverse.org/</a:t>
-            </a:r>
-            <a:r>
-              <a:rPr lang="en-US" dirty="0">
-                <a:solidFill>
-                  <a:schemeClr val="accent2"/>
-                </a:solidFill>
-              </a:rPr>
-              <a:t>):</a:t>
-            </a:r>
-          </a:p>
-          <a:p>
-            <a:pPr lvl="1"/>
-            <a:r>
-              <a:rPr lang="en-US" dirty="0"/>
-              <a:t>mutate() adds new variables that are functions of existing variables</a:t>
-            </a:r>
-          </a:p>
-          <a:p>
-            <a:pPr lvl="1"/>
-            <a:r>
-              <a:rPr lang="en-US" dirty="0"/>
-              <a:t>select() picks variables based on their names.</a:t>
-            </a:r>
-          </a:p>
-          <a:p>
-            <a:pPr lvl="1"/>
-            <a:r>
-              <a:rPr lang="en-US" dirty="0"/>
-              <a:t>filter() picks cases based on their values.</a:t>
-            </a:r>
-          </a:p>
-          <a:p>
-            <a:pPr lvl="1"/>
-            <a:r>
-              <a:rPr lang="en-US" dirty="0" err="1"/>
-              <a:t>summarise</a:t>
-            </a:r>
-            <a:r>
-              <a:rPr lang="en-US" dirty="0"/>
-              <a:t>() reduces multiple values down to a single summary.</a:t>
-            </a:r>
-          </a:p>
-          <a:p>
-            <a:pPr lvl="1"/>
-            <a:r>
-              <a:rPr lang="en-US" dirty="0"/>
-              <a:t>arrange() changes the ordering of the rows.</a:t>
-            </a:r>
-          </a:p>
-          <a:p>
-            <a:endParaRPr lang="en-US" dirty="0"/>
-          </a:p>
-        </p:txBody>
-      </p:sp>
-    </p:spTree>
-    <p:extLst>
-      <p:ext uri="{BB962C8B-B14F-4D97-AF65-F5344CB8AC3E}">
-        <p14:creationId xmlns:p14="http://schemas.microsoft.com/office/powerpoint/2010/main" val="3178632618"/>
-      </p:ext>
-    </p:extLst>
-  </p:cSld>
-  <p:clrMapOvr>
-    <a:masterClrMapping/>
-  </p:clrMapOvr>
-</p:sld>
-</file>
-
-<file path=ppt/slides/slide4.xml><?xml version="1.0" encoding="utf-8"?>
+<file path=ppt/slides/slide10.xml><?xml version="1.0" encoding="utf-8"?>
 <p:sld xmlns:a="http://schemas.openxmlformats.org/drawingml/2006/main" xmlns:r="http://schemas.openxmlformats.org/officeDocument/2006/relationships" xmlns:p="http://schemas.openxmlformats.org/presentationml/2006/main">
   <p:cSld>
     <p:spTree>
@@ -20802,7 +20686,7 @@
 </p:sld>
 </file>
 
-<file path=ppt/slides/slide5.xml><?xml version="1.0" encoding="utf-8"?>
+<file path=ppt/slides/slide11.xml><?xml version="1.0" encoding="utf-8"?>
 <p:sld xmlns:a="http://schemas.openxmlformats.org/drawingml/2006/main" xmlns:r="http://schemas.openxmlformats.org/officeDocument/2006/relationships" xmlns:p="http://schemas.openxmlformats.org/presentationml/2006/main">
   <p:cSld>
     <p:spTree>
@@ -21073,7 +20957,7 @@
 </p:sld>
 </file>
 
-<file path=ppt/slides/slide6.xml><?xml version="1.0" encoding="utf-8"?>
+<file path=ppt/slides/slide12.xml><?xml version="1.0" encoding="utf-8"?>
 <p:sld xmlns:a="http://schemas.openxmlformats.org/drawingml/2006/main" xmlns:r="http://schemas.openxmlformats.org/officeDocument/2006/relationships" xmlns:p="http://schemas.openxmlformats.org/presentationml/2006/main">
   <p:cSld>
     <p:spTree>
@@ -21219,6 +21103,1461 @@
     <p:extLst>
       <p:ext uri="{BB962C8B-B14F-4D97-AF65-F5344CB8AC3E}">
         <p14:creationId xmlns:p14="http://schemas.microsoft.com/office/powerpoint/2010/main" val="3891483216"/>
+      </p:ext>
+    </p:extLst>
+  </p:cSld>
+  <p:clrMapOvr>
+    <a:masterClrMapping/>
+  </p:clrMapOvr>
+</p:sld>
+</file>
+
+<file path=ppt/slides/slide2.xml><?xml version="1.0" encoding="utf-8"?>
+<p:sld xmlns:a="http://schemas.openxmlformats.org/drawingml/2006/main" xmlns:r="http://schemas.openxmlformats.org/officeDocument/2006/relationships" xmlns:p="http://schemas.openxmlformats.org/presentationml/2006/main">
+  <p:cSld>
+    <p:spTree>
+      <p:nvGrpSpPr>
+        <p:cNvPr id="1" name=""/>
+        <p:cNvGrpSpPr/>
+        <p:nvPr/>
+      </p:nvGrpSpPr>
+      <p:grpSpPr>
+        <a:xfrm>
+          <a:off x="0" y="0"/>
+          <a:ext cx="0" cy="0"/>
+          <a:chOff x="0" y="0"/>
+          <a:chExt cx="0" cy="0"/>
+        </a:xfrm>
+      </p:grpSpPr>
+      <p:sp>
+        <p:nvSpPr>
+          <p:cNvPr id="2" name="Title 1">
+            <a:extLst>
+              <a:ext uri="{FF2B5EF4-FFF2-40B4-BE49-F238E27FC236}">
+                <a16:creationId xmlns:a16="http://schemas.microsoft.com/office/drawing/2014/main" id="{E4E40DE7-1889-4867-AA40-A6BE6DF17FEE}"/>
+              </a:ext>
+            </a:extLst>
+          </p:cNvPr>
+          <p:cNvSpPr>
+            <a:spLocks noGrp="1"/>
+          </p:cNvSpPr>
+          <p:nvPr>
+            <p:ph type="title"/>
+          </p:nvPr>
+        </p:nvSpPr>
+        <p:spPr/>
+        <p:txBody>
+          <a:bodyPr/>
+          <a:lstStyle/>
+          <a:p>
+            <a:r>
+              <a:rPr lang="en-US" dirty="0"/>
+              <a:t>Setup</a:t>
+            </a:r>
+          </a:p>
+        </p:txBody>
+      </p:sp>
+      <p:sp>
+        <p:nvSpPr>
+          <p:cNvPr id="3" name="Text Placeholder 2">
+            <a:extLst>
+              <a:ext uri="{FF2B5EF4-FFF2-40B4-BE49-F238E27FC236}">
+                <a16:creationId xmlns:a16="http://schemas.microsoft.com/office/drawing/2014/main" id="{3C25FA5A-526A-432E-848D-DAED942EC76F}"/>
+              </a:ext>
+            </a:extLst>
+          </p:cNvPr>
+          <p:cNvSpPr>
+            <a:spLocks noGrp="1"/>
+          </p:cNvSpPr>
+          <p:nvPr>
+            <p:ph type="body" sz="quarter" idx="10"/>
+          </p:nvPr>
+        </p:nvSpPr>
+        <p:spPr/>
+        <p:txBody>
+          <a:bodyPr/>
+          <a:lstStyle/>
+          <a:p>
+            <a:pPr marL="457200" indent="-457200">
+              <a:buAutoNum type="arabicPeriod"/>
+            </a:pPr>
+            <a:r>
+              <a:rPr lang="en-US" dirty="0"/>
+              <a:t>Download and Install R: </a:t>
+            </a:r>
+            <a:r>
+              <a:rPr lang="en-US" dirty="0">
+                <a:hlinkClick r:id="rId2">
+                  <a:extLst>
+                    <a:ext uri="{A12FA001-AC4F-418D-AE19-62706E023703}">
+                      <ahyp:hlinkClr xmlns:ahyp="http://schemas.microsoft.com/office/drawing/2018/hyperlinkcolor" val="tx"/>
+                    </a:ext>
+                  </a:extLst>
+                </a:hlinkClick>
+              </a:rPr>
+              <a:t>https://www.r-project.org/</a:t>
+            </a:r>
+            <a:endParaRPr lang="en-US" dirty="0"/>
+          </a:p>
+          <a:p>
+            <a:pPr marL="457200" indent="-457200">
+              <a:buAutoNum type="arabicPeriod"/>
+            </a:pPr>
+            <a:r>
+              <a:rPr lang="en-US" dirty="0"/>
+              <a:t>Download and Install RStudio: </a:t>
+            </a:r>
+            <a:r>
+              <a:rPr lang="en-US" dirty="0">
+                <a:hlinkClick r:id="rId3">
+                  <a:extLst>
+                    <a:ext uri="{A12FA001-AC4F-418D-AE19-62706E023703}">
+                      <ahyp:hlinkClr xmlns:ahyp="http://schemas.microsoft.com/office/drawing/2018/hyperlinkcolor" val="tx"/>
+                    </a:ext>
+                  </a:extLst>
+                </a:hlinkClick>
+              </a:rPr>
+              <a:t>https://rstudio.com/</a:t>
+            </a:r>
+            <a:endParaRPr lang="en-US" dirty="0"/>
+          </a:p>
+          <a:p>
+            <a:pPr marL="457200" indent="-457200">
+              <a:buAutoNum type="arabicPeriod"/>
+            </a:pPr>
+            <a:r>
+              <a:rPr lang="en-US" dirty="0"/>
+              <a:t>Run these lines in RStudio to install the packages we’ll be using:</a:t>
+            </a:r>
+          </a:p>
+          <a:p>
+            <a:r>
+              <a:rPr lang="en-US" dirty="0"/>
+              <a:t>	</a:t>
+            </a:r>
+          </a:p>
+        </p:txBody>
+      </p:sp>
+    </p:spTree>
+    <p:extLst>
+      <p:ext uri="{BB962C8B-B14F-4D97-AF65-F5344CB8AC3E}">
+        <p14:creationId xmlns:p14="http://schemas.microsoft.com/office/powerpoint/2010/main" val="464605018"/>
+      </p:ext>
+    </p:extLst>
+  </p:cSld>
+  <p:clrMapOvr>
+    <a:masterClrMapping/>
+  </p:clrMapOvr>
+</p:sld>
+</file>
+
+<file path=ppt/slides/slide3.xml><?xml version="1.0" encoding="utf-8"?>
+<p:sld xmlns:a="http://schemas.openxmlformats.org/drawingml/2006/main" xmlns:r="http://schemas.openxmlformats.org/officeDocument/2006/relationships" xmlns:p="http://schemas.openxmlformats.org/presentationml/2006/main">
+  <p:cSld>
+    <p:spTree>
+      <p:nvGrpSpPr>
+        <p:cNvPr id="1" name=""/>
+        <p:cNvGrpSpPr/>
+        <p:nvPr/>
+      </p:nvGrpSpPr>
+      <p:grpSpPr>
+        <a:xfrm>
+          <a:off x="0" y="0"/>
+          <a:ext cx="0" cy="0"/>
+          <a:chOff x="0" y="0"/>
+          <a:chExt cx="0" cy="0"/>
+        </a:xfrm>
+      </p:grpSpPr>
+      <p:sp>
+        <p:nvSpPr>
+          <p:cNvPr id="2" name="Title 1">
+            <a:extLst>
+              <a:ext uri="{FF2B5EF4-FFF2-40B4-BE49-F238E27FC236}">
+                <a16:creationId xmlns:a16="http://schemas.microsoft.com/office/drawing/2014/main" id="{1E844446-16C9-417A-8456-CECD65DEDFD1}"/>
+              </a:ext>
+            </a:extLst>
+          </p:cNvPr>
+          <p:cNvSpPr>
+            <a:spLocks noGrp="1"/>
+          </p:cNvSpPr>
+          <p:nvPr>
+            <p:ph type="title"/>
+          </p:nvPr>
+        </p:nvSpPr>
+        <p:spPr/>
+        <p:txBody>
+          <a:bodyPr/>
+          <a:lstStyle/>
+          <a:p>
+            <a:r>
+              <a:rPr lang="en-US" dirty="0" err="1"/>
+              <a:t>Tidyverse</a:t>
+            </a:r>
+            <a:r>
+              <a:rPr lang="en-US" dirty="0"/>
+              <a:t> Resources</a:t>
+            </a:r>
+          </a:p>
+        </p:txBody>
+      </p:sp>
+      <p:sp>
+        <p:nvSpPr>
+          <p:cNvPr id="3" name="Text Placeholder 2">
+            <a:extLst>
+              <a:ext uri="{FF2B5EF4-FFF2-40B4-BE49-F238E27FC236}">
+                <a16:creationId xmlns:a16="http://schemas.microsoft.com/office/drawing/2014/main" id="{1B2848F1-87A3-4F92-A084-329100BDF104}"/>
+              </a:ext>
+            </a:extLst>
+          </p:cNvPr>
+          <p:cNvSpPr>
+            <a:spLocks noGrp="1"/>
+          </p:cNvSpPr>
+          <p:nvPr>
+            <p:ph type="body" sz="quarter" idx="10"/>
+          </p:nvPr>
+        </p:nvSpPr>
+        <p:spPr/>
+        <p:txBody>
+          <a:bodyPr/>
+          <a:lstStyle/>
+          <a:p>
+            <a:r>
+              <a:rPr lang="en-US" u="sng" dirty="0" err="1">
+                <a:hlinkClick r:id="rId2">
+                  <a:extLst>
+                    <a:ext uri="{A12FA001-AC4F-418D-AE19-62706E023703}">
+                      <ahyp:hlinkClr xmlns:ahyp="http://schemas.microsoft.com/office/drawing/2018/hyperlinkcolor" val="tx"/>
+                    </a:ext>
+                  </a:extLst>
+                </a:hlinkClick>
+              </a:rPr>
+              <a:t>Tidyverse</a:t>
+            </a:r>
+            <a:r>
+              <a:rPr lang="en-US" u="sng" dirty="0"/>
+              <a:t> Website</a:t>
+            </a:r>
+          </a:p>
+          <a:p>
+            <a:r>
+              <a:rPr lang="en-US" dirty="0">
+                <a:hlinkClick r:id="rId3">
+                  <a:extLst>
+                    <a:ext uri="{A12FA001-AC4F-418D-AE19-62706E023703}">
+                      <ahyp:hlinkClr xmlns:ahyp="http://schemas.microsoft.com/office/drawing/2018/hyperlinkcolor" val="tx"/>
+                    </a:ext>
+                  </a:extLst>
+                </a:hlinkClick>
+              </a:rPr>
+              <a:t>David Robinson's ‘Teach the </a:t>
+            </a:r>
+            <a:r>
+              <a:rPr lang="en-US" dirty="0" err="1">
+                <a:hlinkClick r:id="rId3">
+                  <a:extLst>
+                    <a:ext uri="{A12FA001-AC4F-418D-AE19-62706E023703}">
+                      <ahyp:hlinkClr xmlns:ahyp="http://schemas.microsoft.com/office/drawing/2018/hyperlinkcolor" val="tx"/>
+                    </a:ext>
+                  </a:extLst>
+                </a:hlinkClick>
+              </a:rPr>
+              <a:t>Tidyverse</a:t>
+            </a:r>
+            <a:r>
+              <a:rPr lang="en-US" dirty="0">
+                <a:hlinkClick r:id="rId3">
+                  <a:extLst>
+                    <a:ext uri="{A12FA001-AC4F-418D-AE19-62706E023703}">
+                      <ahyp:hlinkClr xmlns:ahyp="http://schemas.microsoft.com/office/drawing/2018/hyperlinkcolor" val="tx"/>
+                    </a:ext>
+                  </a:extLst>
+                </a:hlinkClick>
+              </a:rPr>
+              <a:t> to Beginners</a:t>
+            </a:r>
+            <a:r>
+              <a:rPr lang="en-US" dirty="0"/>
+              <a:t>’</a:t>
+            </a:r>
+            <a:endParaRPr lang="en-US" u="sng" dirty="0"/>
+          </a:p>
+          <a:p>
+            <a:r>
+              <a:rPr lang="en-US" u="sng" dirty="0">
+                <a:hlinkClick r:id="rId4">
+                  <a:extLst>
+                    <a:ext uri="{A12FA001-AC4F-418D-AE19-62706E023703}">
+                      <ahyp:hlinkClr xmlns:ahyp="http://schemas.microsoft.com/office/drawing/2018/hyperlinkcolor" val="tx"/>
+                    </a:ext>
+                  </a:extLst>
+                </a:hlinkClick>
+              </a:rPr>
+              <a:t>Hadley </a:t>
+            </a:r>
+            <a:r>
+              <a:rPr lang="en-US" u="sng" dirty="0" err="1">
+                <a:hlinkClick r:id="rId4">
+                  <a:extLst>
+                    <a:ext uri="{A12FA001-AC4F-418D-AE19-62706E023703}">
+                      <ahyp:hlinkClr xmlns:ahyp="http://schemas.microsoft.com/office/drawing/2018/hyperlinkcolor" val="tx"/>
+                    </a:ext>
+                  </a:extLst>
+                </a:hlinkClick>
+              </a:rPr>
+              <a:t>Wickam’s</a:t>
+            </a:r>
+            <a:r>
+              <a:rPr lang="en-US" u="sng" dirty="0">
+                <a:hlinkClick r:id="rId4">
+                  <a:extLst>
+                    <a:ext uri="{A12FA001-AC4F-418D-AE19-62706E023703}">
+                      <ahyp:hlinkClr xmlns:ahyp="http://schemas.microsoft.com/office/drawing/2018/hyperlinkcolor" val="tx"/>
+                    </a:ext>
+                  </a:extLst>
+                </a:hlinkClick>
+              </a:rPr>
+              <a:t> Paper “Tidy Data”</a:t>
+            </a:r>
+            <a:endParaRPr lang="en-US" u="sng" dirty="0"/>
+          </a:p>
+          <a:p>
+            <a:endParaRPr lang="en-US" dirty="0">
+              <a:solidFill>
+                <a:schemeClr val="accent2"/>
+              </a:solidFill>
+            </a:endParaRPr>
+          </a:p>
+        </p:txBody>
+      </p:sp>
+    </p:spTree>
+    <p:extLst>
+      <p:ext uri="{BB962C8B-B14F-4D97-AF65-F5344CB8AC3E}">
+        <p14:creationId xmlns:p14="http://schemas.microsoft.com/office/powerpoint/2010/main" val="3083750619"/>
+      </p:ext>
+    </p:extLst>
+  </p:cSld>
+  <p:clrMapOvr>
+    <a:masterClrMapping/>
+  </p:clrMapOvr>
+</p:sld>
+</file>
+
+<file path=ppt/slides/slide4.xml><?xml version="1.0" encoding="utf-8"?>
+<p:sld xmlns:a="http://schemas.openxmlformats.org/drawingml/2006/main" xmlns:r="http://schemas.openxmlformats.org/officeDocument/2006/relationships" xmlns:p="http://schemas.openxmlformats.org/presentationml/2006/main">
+  <p:cSld>
+    <p:spTree>
+      <p:nvGrpSpPr>
+        <p:cNvPr id="1" name=""/>
+        <p:cNvGrpSpPr/>
+        <p:nvPr/>
+      </p:nvGrpSpPr>
+      <p:grpSpPr>
+        <a:xfrm>
+          <a:off x="0" y="0"/>
+          <a:ext cx="0" cy="0"/>
+          <a:chOff x="0" y="0"/>
+          <a:chExt cx="0" cy="0"/>
+        </a:xfrm>
+      </p:grpSpPr>
+      <p:sp>
+        <p:nvSpPr>
+          <p:cNvPr id="2" name="Title 1">
+            <a:extLst>
+              <a:ext uri="{FF2B5EF4-FFF2-40B4-BE49-F238E27FC236}">
+                <a16:creationId xmlns:a16="http://schemas.microsoft.com/office/drawing/2014/main" id="{EE3B24D9-0B08-46B9-B7E8-4A44C4C78BD3}"/>
+              </a:ext>
+            </a:extLst>
+          </p:cNvPr>
+          <p:cNvSpPr>
+            <a:spLocks noGrp="1"/>
+          </p:cNvSpPr>
+          <p:nvPr>
+            <p:ph type="title"/>
+          </p:nvPr>
+        </p:nvSpPr>
+        <p:spPr/>
+        <p:txBody>
+          <a:bodyPr/>
+          <a:lstStyle/>
+          <a:p>
+            <a:r>
+              <a:rPr lang="en-US" dirty="0"/>
+              <a:t>What is the </a:t>
+            </a:r>
+            <a:r>
+              <a:rPr lang="en-US" dirty="0" err="1"/>
+              <a:t>tidyverse</a:t>
+            </a:r>
+            <a:r>
+              <a:rPr lang="en-US" dirty="0"/>
+              <a:t>?</a:t>
+            </a:r>
+          </a:p>
+        </p:txBody>
+      </p:sp>
+      <p:sp>
+        <p:nvSpPr>
+          <p:cNvPr id="3" name="Text Placeholder 2">
+            <a:extLst>
+              <a:ext uri="{FF2B5EF4-FFF2-40B4-BE49-F238E27FC236}">
+                <a16:creationId xmlns:a16="http://schemas.microsoft.com/office/drawing/2014/main" id="{92756D55-E64F-4CB6-AE63-9849B148A277}"/>
+              </a:ext>
+            </a:extLst>
+          </p:cNvPr>
+          <p:cNvSpPr>
+            <a:spLocks noGrp="1"/>
+          </p:cNvSpPr>
+          <p:nvPr>
+            <p:ph type="body" sz="quarter" idx="10"/>
+          </p:nvPr>
+        </p:nvSpPr>
+        <p:spPr/>
+        <p:txBody>
+          <a:bodyPr/>
+          <a:lstStyle/>
+          <a:p>
+            <a:endParaRPr lang="en-US"/>
+          </a:p>
+        </p:txBody>
+      </p:sp>
+    </p:spTree>
+    <p:extLst>
+      <p:ext uri="{BB962C8B-B14F-4D97-AF65-F5344CB8AC3E}">
+        <p14:creationId xmlns:p14="http://schemas.microsoft.com/office/powerpoint/2010/main" val="4230175987"/>
+      </p:ext>
+    </p:extLst>
+  </p:cSld>
+  <p:clrMapOvr>
+    <a:masterClrMapping/>
+  </p:clrMapOvr>
+</p:sld>
+</file>
+
+<file path=ppt/slides/slide5.xml><?xml version="1.0" encoding="utf-8"?>
+<p:sld xmlns:a="http://schemas.openxmlformats.org/drawingml/2006/main" xmlns:r="http://schemas.openxmlformats.org/officeDocument/2006/relationships" xmlns:p="http://schemas.openxmlformats.org/presentationml/2006/main">
+  <p:cSld>
+    <p:spTree>
+      <p:nvGrpSpPr>
+        <p:cNvPr id="1" name=""/>
+        <p:cNvGrpSpPr/>
+        <p:nvPr/>
+      </p:nvGrpSpPr>
+      <p:grpSpPr>
+        <a:xfrm>
+          <a:off x="0" y="0"/>
+          <a:ext cx="0" cy="0"/>
+          <a:chOff x="0" y="0"/>
+          <a:chExt cx="0" cy="0"/>
+        </a:xfrm>
+      </p:grpSpPr>
+      <p:sp>
+        <p:nvSpPr>
+          <p:cNvPr id="2" name="Title 1">
+            <a:extLst>
+              <a:ext uri="{FF2B5EF4-FFF2-40B4-BE49-F238E27FC236}">
+                <a16:creationId xmlns:a16="http://schemas.microsoft.com/office/drawing/2014/main" id="{2FC91D9D-D406-4BC7-B78A-7D7DB823579F}"/>
+              </a:ext>
+            </a:extLst>
+          </p:cNvPr>
+          <p:cNvSpPr>
+            <a:spLocks noGrp="1"/>
+          </p:cNvSpPr>
+          <p:nvPr>
+            <p:ph type="title"/>
+          </p:nvPr>
+        </p:nvSpPr>
+        <p:spPr/>
+        <p:txBody>
+          <a:bodyPr/>
+          <a:lstStyle/>
+          <a:p>
+            <a:endParaRPr lang="en-US" dirty="0"/>
+          </a:p>
+        </p:txBody>
+      </p:sp>
+      <p:sp>
+        <p:nvSpPr>
+          <p:cNvPr id="3" name="Text Placeholder 2">
+            <a:extLst>
+              <a:ext uri="{FF2B5EF4-FFF2-40B4-BE49-F238E27FC236}">
+                <a16:creationId xmlns:a16="http://schemas.microsoft.com/office/drawing/2014/main" id="{B64A7F95-54AB-47EC-A91F-3FB2D183B5B6}"/>
+              </a:ext>
+            </a:extLst>
+          </p:cNvPr>
+          <p:cNvSpPr>
+            <a:spLocks noGrp="1"/>
+          </p:cNvSpPr>
+          <p:nvPr>
+            <p:ph type="body" sz="quarter" idx="10"/>
+          </p:nvPr>
+        </p:nvSpPr>
+        <p:spPr/>
+        <p:txBody>
+          <a:bodyPr/>
+          <a:lstStyle/>
+          <a:p>
+            <a:endParaRPr lang="en-US"/>
+          </a:p>
+        </p:txBody>
+      </p:sp>
+    </p:spTree>
+    <p:extLst>
+      <p:ext uri="{BB962C8B-B14F-4D97-AF65-F5344CB8AC3E}">
+        <p14:creationId xmlns:p14="http://schemas.microsoft.com/office/powerpoint/2010/main" val="3496057283"/>
+      </p:ext>
+    </p:extLst>
+  </p:cSld>
+  <p:clrMapOvr>
+    <a:masterClrMapping/>
+  </p:clrMapOvr>
+</p:sld>
+</file>
+
+<file path=ppt/slides/slide6.xml><?xml version="1.0" encoding="utf-8"?>
+<p:sld xmlns:a="http://schemas.openxmlformats.org/drawingml/2006/main" xmlns:r="http://schemas.openxmlformats.org/officeDocument/2006/relationships" xmlns:p="http://schemas.openxmlformats.org/presentationml/2006/main">
+  <p:cSld>
+    <p:spTree>
+      <p:nvGrpSpPr>
+        <p:cNvPr id="1" name=""/>
+        <p:cNvGrpSpPr/>
+        <p:nvPr/>
+      </p:nvGrpSpPr>
+      <p:grpSpPr>
+        <a:xfrm>
+          <a:off x="0" y="0"/>
+          <a:ext cx="0" cy="0"/>
+          <a:chOff x="0" y="0"/>
+          <a:chExt cx="0" cy="0"/>
+        </a:xfrm>
+      </p:grpSpPr>
+      <p:sp>
+        <p:nvSpPr>
+          <p:cNvPr id="2" name="Title 1">
+            <a:extLst>
+              <a:ext uri="{FF2B5EF4-FFF2-40B4-BE49-F238E27FC236}">
+                <a16:creationId xmlns:a16="http://schemas.microsoft.com/office/drawing/2014/main" id="{76A2497B-EAE2-4915-8D89-6D7E5148585F}"/>
+              </a:ext>
+            </a:extLst>
+          </p:cNvPr>
+          <p:cNvSpPr>
+            <a:spLocks noGrp="1"/>
+          </p:cNvSpPr>
+          <p:nvPr>
+            <p:ph type="title"/>
+          </p:nvPr>
+        </p:nvSpPr>
+        <p:spPr/>
+        <p:txBody>
+          <a:bodyPr/>
+          <a:lstStyle/>
+          <a:p>
+            <a:endParaRPr lang="en-US"/>
+          </a:p>
+        </p:txBody>
+      </p:sp>
+      <p:pic>
+        <p:nvPicPr>
+          <p:cNvPr id="4" name="Picture 3">
+            <a:extLst>
+              <a:ext uri="{FF2B5EF4-FFF2-40B4-BE49-F238E27FC236}">
+                <a16:creationId xmlns:a16="http://schemas.microsoft.com/office/drawing/2014/main" id="{674DB5AE-E6F9-42EB-9E3E-FC6540EBAFB8}"/>
+              </a:ext>
+            </a:extLst>
+          </p:cNvPr>
+          <p:cNvPicPr>
+            <a:picLocks noChangeAspect="1"/>
+          </p:cNvPicPr>
+          <p:nvPr/>
+        </p:nvPicPr>
+        <p:blipFill>
+          <a:blip r:embed="rId2"/>
+          <a:stretch>
+            <a:fillRect/>
+          </a:stretch>
+        </p:blipFill>
+        <p:spPr>
+          <a:xfrm>
+            <a:off x="2490787" y="1495425"/>
+            <a:ext cx="7210425" cy="3867150"/>
+          </a:xfrm>
+          <a:prstGeom prst="rect">
+            <a:avLst/>
+          </a:prstGeom>
+        </p:spPr>
+      </p:pic>
+      <p:sp>
+        <p:nvSpPr>
+          <p:cNvPr id="5" name="Rectangle 4">
+            <a:extLst>
+              <a:ext uri="{FF2B5EF4-FFF2-40B4-BE49-F238E27FC236}">
+                <a16:creationId xmlns:a16="http://schemas.microsoft.com/office/drawing/2014/main" id="{522A3865-7290-4136-B421-312983D723B9}"/>
+              </a:ext>
+            </a:extLst>
+          </p:cNvPr>
+          <p:cNvSpPr/>
+          <p:nvPr/>
+        </p:nvSpPr>
+        <p:spPr>
+          <a:xfrm>
+            <a:off x="3047999" y="5362575"/>
+            <a:ext cx="6096000" cy="923330"/>
+          </a:xfrm>
+          <a:prstGeom prst="rect">
+            <a:avLst/>
+          </a:prstGeom>
+        </p:spPr>
+        <p:txBody>
+          <a:bodyPr>
+            <a:spAutoFit/>
+          </a:bodyPr>
+          <a:lstStyle/>
+          <a:p>
+            <a:r>
+              <a:rPr lang="en-US" dirty="0">
+                <a:hlinkClick r:id="rId3">
+                  <a:extLst>
+                    <a:ext uri="{A12FA001-AC4F-418D-AE19-62706E023703}">
+                      <ahyp:hlinkClr xmlns:ahyp="http://schemas.microsoft.com/office/drawing/2018/hyperlinkcolor" val="tx"/>
+                    </a:ext>
+                  </a:extLst>
+                </a:hlinkClick>
+              </a:rPr>
+              <a:t>https://github.com/rstudio/rstudio-conf/blob/master/2018/TeachTidyverse-DavidRobinson/TeachTidyverse-DavidRobinson.pdf</a:t>
+            </a:r>
+            <a:endParaRPr lang="en-US" dirty="0"/>
+          </a:p>
+        </p:txBody>
+      </p:sp>
+    </p:spTree>
+    <p:extLst>
+      <p:ext uri="{BB962C8B-B14F-4D97-AF65-F5344CB8AC3E}">
+        <p14:creationId xmlns:p14="http://schemas.microsoft.com/office/powerpoint/2010/main" val="3908490442"/>
+      </p:ext>
+    </p:extLst>
+  </p:cSld>
+  <p:clrMapOvr>
+    <a:masterClrMapping/>
+  </p:clrMapOvr>
+</p:sld>
+</file>
+
+<file path=ppt/slides/slide7.xml><?xml version="1.0" encoding="utf-8"?>
+<p:sld xmlns:a="http://schemas.openxmlformats.org/drawingml/2006/main" xmlns:r="http://schemas.openxmlformats.org/officeDocument/2006/relationships" xmlns:p="http://schemas.openxmlformats.org/presentationml/2006/main">
+  <p:cSld>
+    <p:spTree>
+      <p:nvGrpSpPr>
+        <p:cNvPr id="1" name=""/>
+        <p:cNvGrpSpPr/>
+        <p:nvPr/>
+      </p:nvGrpSpPr>
+      <p:grpSpPr>
+        <a:xfrm>
+          <a:off x="0" y="0"/>
+          <a:ext cx="0" cy="0"/>
+          <a:chOff x="0" y="0"/>
+          <a:chExt cx="0" cy="0"/>
+        </a:xfrm>
+      </p:grpSpPr>
+      <p:sp>
+        <p:nvSpPr>
+          <p:cNvPr id="2" name="Title 1">
+            <a:extLst>
+              <a:ext uri="{FF2B5EF4-FFF2-40B4-BE49-F238E27FC236}">
+                <a16:creationId xmlns:a16="http://schemas.microsoft.com/office/drawing/2014/main" id="{76A2497B-EAE2-4915-8D89-6D7E5148585F}"/>
+              </a:ext>
+            </a:extLst>
+          </p:cNvPr>
+          <p:cNvSpPr>
+            <a:spLocks noGrp="1"/>
+          </p:cNvSpPr>
+          <p:nvPr>
+            <p:ph type="title"/>
+          </p:nvPr>
+        </p:nvSpPr>
+        <p:spPr/>
+        <p:txBody>
+          <a:bodyPr/>
+          <a:lstStyle/>
+          <a:p>
+            <a:endParaRPr lang="en-US"/>
+          </a:p>
+        </p:txBody>
+      </p:sp>
+      <p:sp>
+        <p:nvSpPr>
+          <p:cNvPr id="3" name="TextBox 2">
+            <a:extLst>
+              <a:ext uri="{FF2B5EF4-FFF2-40B4-BE49-F238E27FC236}">
+                <a16:creationId xmlns:a16="http://schemas.microsoft.com/office/drawing/2014/main" id="{4495CEED-4040-4336-90C4-3031B98E4DB4}"/>
+              </a:ext>
+            </a:extLst>
+          </p:cNvPr>
+          <p:cNvSpPr txBox="1"/>
+          <p:nvPr/>
+        </p:nvSpPr>
+        <p:spPr>
+          <a:xfrm>
+            <a:off x="2484410" y="3119076"/>
+            <a:ext cx="1414732" cy="1200329"/>
+          </a:xfrm>
+          <a:prstGeom prst="rect">
+            <a:avLst/>
+          </a:prstGeom>
+          <a:ln w="38100"/>
+        </p:spPr>
+        <p:style>
+          <a:lnRef idx="2">
+            <a:schemeClr val="accent2"/>
+          </a:lnRef>
+          <a:fillRef idx="1">
+            <a:schemeClr val="lt1"/>
+          </a:fillRef>
+          <a:effectRef idx="0">
+            <a:schemeClr val="accent2"/>
+          </a:effectRef>
+          <a:fontRef idx="minor">
+            <a:schemeClr val="dk1"/>
+          </a:fontRef>
+        </p:style>
+        <p:txBody>
+          <a:bodyPr wrap="square" rtlCol="0">
+            <a:spAutoFit/>
+          </a:bodyPr>
+          <a:lstStyle/>
+          <a:p>
+            <a:pPr algn="ctr"/>
+            <a:r>
+              <a:rPr lang="en-US" b="1" dirty="0"/>
+              <a:t>Import</a:t>
+            </a:r>
+          </a:p>
+          <a:p>
+            <a:pPr algn="ctr"/>
+            <a:endParaRPr lang="en-US" dirty="0"/>
+          </a:p>
+          <a:p>
+            <a:pPr algn="ctr"/>
+            <a:r>
+              <a:rPr lang="en-US" dirty="0" err="1"/>
+              <a:t>readr</a:t>
+            </a:r>
+            <a:endParaRPr lang="en-US" dirty="0"/>
+          </a:p>
+          <a:p>
+            <a:pPr algn="ctr"/>
+            <a:endParaRPr lang="en-US" dirty="0"/>
+          </a:p>
+        </p:txBody>
+      </p:sp>
+      <p:sp>
+        <p:nvSpPr>
+          <p:cNvPr id="4" name="TextBox 3">
+            <a:extLst>
+              <a:ext uri="{FF2B5EF4-FFF2-40B4-BE49-F238E27FC236}">
+                <a16:creationId xmlns:a16="http://schemas.microsoft.com/office/drawing/2014/main" id="{266D98A5-7352-4490-8A0D-5883BEED2968}"/>
+              </a:ext>
+            </a:extLst>
+          </p:cNvPr>
+          <p:cNvSpPr txBox="1"/>
+          <p:nvPr/>
+        </p:nvSpPr>
+        <p:spPr>
+          <a:xfrm>
+            <a:off x="4344839" y="2980577"/>
+            <a:ext cx="1414732" cy="1477328"/>
+          </a:xfrm>
+          <a:prstGeom prst="rect">
+            <a:avLst/>
+          </a:prstGeom>
+          <a:ln w="38100"/>
+        </p:spPr>
+        <p:style>
+          <a:lnRef idx="2">
+            <a:schemeClr val="accent2"/>
+          </a:lnRef>
+          <a:fillRef idx="1">
+            <a:schemeClr val="lt1"/>
+          </a:fillRef>
+          <a:effectRef idx="0">
+            <a:schemeClr val="accent2"/>
+          </a:effectRef>
+          <a:fontRef idx="minor">
+            <a:schemeClr val="dk1"/>
+          </a:fontRef>
+        </p:style>
+        <p:txBody>
+          <a:bodyPr wrap="square" rtlCol="0">
+            <a:spAutoFit/>
+          </a:bodyPr>
+          <a:lstStyle/>
+          <a:p>
+            <a:pPr algn="ctr"/>
+            <a:r>
+              <a:rPr lang="en-US" b="1" dirty="0"/>
+              <a:t>Tidy</a:t>
+            </a:r>
+          </a:p>
+          <a:p>
+            <a:pPr algn="ctr"/>
+            <a:endParaRPr lang="en-US" dirty="0"/>
+          </a:p>
+          <a:p>
+            <a:pPr algn="ctr"/>
+            <a:r>
+              <a:rPr lang="en-US" dirty="0" err="1"/>
+              <a:t>tibble</a:t>
+            </a:r>
+            <a:endParaRPr lang="en-US" dirty="0"/>
+          </a:p>
+          <a:p>
+            <a:pPr algn="ctr"/>
+            <a:r>
+              <a:rPr lang="en-US" dirty="0" err="1"/>
+              <a:t>tidyr</a:t>
+            </a:r>
+            <a:endParaRPr lang="en-US" dirty="0"/>
+          </a:p>
+          <a:p>
+            <a:pPr algn="ctr"/>
+            <a:endParaRPr lang="en-US" dirty="0"/>
+          </a:p>
+        </p:txBody>
+      </p:sp>
+      <p:sp>
+        <p:nvSpPr>
+          <p:cNvPr id="5" name="TextBox 4">
+            <a:extLst>
+              <a:ext uri="{FF2B5EF4-FFF2-40B4-BE49-F238E27FC236}">
+                <a16:creationId xmlns:a16="http://schemas.microsoft.com/office/drawing/2014/main" id="{E01ABCB5-7F10-4009-B43A-287C17B3CA3A}"/>
+              </a:ext>
+            </a:extLst>
+          </p:cNvPr>
+          <p:cNvSpPr txBox="1"/>
+          <p:nvPr/>
+        </p:nvSpPr>
+        <p:spPr>
+          <a:xfrm>
+            <a:off x="6205269" y="2980576"/>
+            <a:ext cx="1414732" cy="1477328"/>
+          </a:xfrm>
+          <a:prstGeom prst="rect">
+            <a:avLst/>
+          </a:prstGeom>
+          <a:ln w="38100"/>
+        </p:spPr>
+        <p:style>
+          <a:lnRef idx="2">
+            <a:schemeClr val="accent2"/>
+          </a:lnRef>
+          <a:fillRef idx="1">
+            <a:schemeClr val="lt1"/>
+          </a:fillRef>
+          <a:effectRef idx="0">
+            <a:schemeClr val="accent2"/>
+          </a:effectRef>
+          <a:fontRef idx="minor">
+            <a:schemeClr val="dk1"/>
+          </a:fontRef>
+        </p:style>
+        <p:txBody>
+          <a:bodyPr wrap="square" rtlCol="0">
+            <a:spAutoFit/>
+          </a:bodyPr>
+          <a:lstStyle/>
+          <a:p>
+            <a:pPr algn="ctr"/>
+            <a:r>
+              <a:rPr lang="en-US" b="1" dirty="0"/>
+              <a:t>Transform</a:t>
+            </a:r>
+          </a:p>
+          <a:p>
+            <a:pPr algn="ctr"/>
+            <a:endParaRPr lang="en-US" dirty="0"/>
+          </a:p>
+          <a:p>
+            <a:pPr algn="ctr"/>
+            <a:r>
+              <a:rPr lang="en-US" dirty="0" err="1"/>
+              <a:t>dplyr</a:t>
+            </a:r>
+            <a:endParaRPr lang="en-US" dirty="0"/>
+          </a:p>
+          <a:p>
+            <a:pPr algn="ctr"/>
+            <a:r>
+              <a:rPr lang="en-US" dirty="0" err="1"/>
+              <a:t>tidytext</a:t>
+            </a:r>
+            <a:endParaRPr lang="en-US" dirty="0"/>
+          </a:p>
+          <a:p>
+            <a:pPr algn="ctr"/>
+            <a:endParaRPr lang="en-US" dirty="0"/>
+          </a:p>
+        </p:txBody>
+      </p:sp>
+      <p:sp>
+        <p:nvSpPr>
+          <p:cNvPr id="6" name="TextBox 5">
+            <a:extLst>
+              <a:ext uri="{FF2B5EF4-FFF2-40B4-BE49-F238E27FC236}">
+                <a16:creationId xmlns:a16="http://schemas.microsoft.com/office/drawing/2014/main" id="{DFC38FB3-7622-4BD1-9DB1-02AD4000DFEC}"/>
+              </a:ext>
+            </a:extLst>
+          </p:cNvPr>
+          <p:cNvSpPr txBox="1"/>
+          <p:nvPr/>
+        </p:nvSpPr>
+        <p:spPr>
+          <a:xfrm>
+            <a:off x="8065699" y="2980577"/>
+            <a:ext cx="1414732" cy="1477328"/>
+          </a:xfrm>
+          <a:prstGeom prst="rect">
+            <a:avLst/>
+          </a:prstGeom>
+          <a:ln w="38100"/>
+        </p:spPr>
+        <p:style>
+          <a:lnRef idx="2">
+            <a:schemeClr val="accent2"/>
+          </a:lnRef>
+          <a:fillRef idx="1">
+            <a:schemeClr val="lt1"/>
+          </a:fillRef>
+          <a:effectRef idx="0">
+            <a:schemeClr val="accent2"/>
+          </a:effectRef>
+          <a:fontRef idx="minor">
+            <a:schemeClr val="dk1"/>
+          </a:fontRef>
+        </p:style>
+        <p:txBody>
+          <a:bodyPr wrap="square" rtlCol="0">
+            <a:spAutoFit/>
+          </a:bodyPr>
+          <a:lstStyle/>
+          <a:p>
+            <a:pPr algn="ctr"/>
+            <a:r>
+              <a:rPr lang="en-US" b="1" dirty="0"/>
+              <a:t>Visualize</a:t>
+            </a:r>
+          </a:p>
+          <a:p>
+            <a:pPr algn="ctr"/>
+            <a:endParaRPr lang="en-US" dirty="0"/>
+          </a:p>
+          <a:p>
+            <a:pPr algn="ctr"/>
+            <a:r>
+              <a:rPr lang="en-US" dirty="0"/>
+              <a:t>ggplot2</a:t>
+            </a:r>
+          </a:p>
+          <a:p>
+            <a:pPr algn="ctr"/>
+            <a:r>
+              <a:rPr lang="en-US" dirty="0" err="1"/>
+              <a:t>tidygraph</a:t>
+            </a:r>
+            <a:endParaRPr lang="en-US" dirty="0"/>
+          </a:p>
+          <a:p>
+            <a:pPr algn="ctr"/>
+            <a:endParaRPr lang="en-US" dirty="0"/>
+          </a:p>
+        </p:txBody>
+      </p:sp>
+      <p:cxnSp>
+        <p:nvCxnSpPr>
+          <p:cNvPr id="8" name="Straight Arrow Connector 7">
+            <a:extLst>
+              <a:ext uri="{FF2B5EF4-FFF2-40B4-BE49-F238E27FC236}">
+                <a16:creationId xmlns:a16="http://schemas.microsoft.com/office/drawing/2014/main" id="{89706DAC-A60B-4763-97C7-950E844F1E06}"/>
+              </a:ext>
+            </a:extLst>
+          </p:cNvPr>
+          <p:cNvCxnSpPr>
+            <a:stCxn id="3" idx="3"/>
+            <a:endCxn id="4" idx="1"/>
+          </p:cNvCxnSpPr>
+          <p:nvPr/>
+        </p:nvCxnSpPr>
+        <p:spPr>
+          <a:xfrm>
+            <a:off x="3899142" y="3719241"/>
+            <a:ext cx="445697" cy="0"/>
+          </a:xfrm>
+          <a:prstGeom prst="straightConnector1">
+            <a:avLst/>
+          </a:prstGeom>
+          <a:ln w="38100">
+            <a:tailEnd type="triangle"/>
+          </a:ln>
+        </p:spPr>
+        <p:style>
+          <a:lnRef idx="1">
+            <a:schemeClr val="dk1"/>
+          </a:lnRef>
+          <a:fillRef idx="0">
+            <a:schemeClr val="dk1"/>
+          </a:fillRef>
+          <a:effectRef idx="0">
+            <a:schemeClr val="dk1"/>
+          </a:effectRef>
+          <a:fontRef idx="minor">
+            <a:schemeClr val="tx1"/>
+          </a:fontRef>
+        </p:style>
+      </p:cxnSp>
+      <p:cxnSp>
+        <p:nvCxnSpPr>
+          <p:cNvPr id="10" name="Straight Arrow Connector 9">
+            <a:extLst>
+              <a:ext uri="{FF2B5EF4-FFF2-40B4-BE49-F238E27FC236}">
+                <a16:creationId xmlns:a16="http://schemas.microsoft.com/office/drawing/2014/main" id="{1CBDCCA0-04C8-4898-AB58-9C688C131B0E}"/>
+              </a:ext>
+            </a:extLst>
+          </p:cNvPr>
+          <p:cNvCxnSpPr>
+            <a:cxnSpLocks/>
+            <a:stCxn id="4" idx="3"/>
+            <a:endCxn id="5" idx="1"/>
+          </p:cNvCxnSpPr>
+          <p:nvPr/>
+        </p:nvCxnSpPr>
+        <p:spPr>
+          <a:xfrm flipV="1">
+            <a:off x="5759571" y="3719240"/>
+            <a:ext cx="445698" cy="1"/>
+          </a:xfrm>
+          <a:prstGeom prst="straightConnector1">
+            <a:avLst/>
+          </a:prstGeom>
+          <a:ln w="38100">
+            <a:tailEnd type="triangle"/>
+          </a:ln>
+        </p:spPr>
+        <p:style>
+          <a:lnRef idx="1">
+            <a:schemeClr val="dk1"/>
+          </a:lnRef>
+          <a:fillRef idx="0">
+            <a:schemeClr val="dk1"/>
+          </a:fillRef>
+          <a:effectRef idx="0">
+            <a:schemeClr val="dk1"/>
+          </a:effectRef>
+          <a:fontRef idx="minor">
+            <a:schemeClr val="tx1"/>
+          </a:fontRef>
+        </p:style>
+      </p:cxnSp>
+      <p:cxnSp>
+        <p:nvCxnSpPr>
+          <p:cNvPr id="13" name="Straight Arrow Connector 12">
+            <a:extLst>
+              <a:ext uri="{FF2B5EF4-FFF2-40B4-BE49-F238E27FC236}">
+                <a16:creationId xmlns:a16="http://schemas.microsoft.com/office/drawing/2014/main" id="{782D3C3B-9BDA-4841-8976-71E9585EA9FB}"/>
+              </a:ext>
+            </a:extLst>
+          </p:cNvPr>
+          <p:cNvCxnSpPr>
+            <a:cxnSpLocks/>
+            <a:stCxn id="5" idx="3"/>
+            <a:endCxn id="6" idx="1"/>
+          </p:cNvCxnSpPr>
+          <p:nvPr/>
+        </p:nvCxnSpPr>
+        <p:spPr>
+          <a:xfrm>
+            <a:off x="7620001" y="3719240"/>
+            <a:ext cx="445698" cy="1"/>
+          </a:xfrm>
+          <a:prstGeom prst="straightConnector1">
+            <a:avLst/>
+          </a:prstGeom>
+          <a:ln w="38100">
+            <a:tailEnd type="triangle"/>
+          </a:ln>
+        </p:spPr>
+        <p:style>
+          <a:lnRef idx="1">
+            <a:schemeClr val="dk1"/>
+          </a:lnRef>
+          <a:fillRef idx="0">
+            <a:schemeClr val="dk1"/>
+          </a:fillRef>
+          <a:effectRef idx="0">
+            <a:schemeClr val="dk1"/>
+          </a:effectRef>
+          <a:fontRef idx="minor">
+            <a:schemeClr val="tx1"/>
+          </a:fontRef>
+        </p:style>
+      </p:cxnSp>
+    </p:spTree>
+    <p:extLst>
+      <p:ext uri="{BB962C8B-B14F-4D97-AF65-F5344CB8AC3E}">
+        <p14:creationId xmlns:p14="http://schemas.microsoft.com/office/powerpoint/2010/main" val="117241437"/>
+      </p:ext>
+    </p:extLst>
+  </p:cSld>
+  <p:clrMapOvr>
+    <a:masterClrMapping/>
+  </p:clrMapOvr>
+</p:sld>
+</file>
+
+<file path=ppt/slides/slide8.xml><?xml version="1.0" encoding="utf-8"?>
+<p:sld xmlns:a="http://schemas.openxmlformats.org/drawingml/2006/main" xmlns:r="http://schemas.openxmlformats.org/officeDocument/2006/relationships" xmlns:p="http://schemas.openxmlformats.org/presentationml/2006/main">
+  <p:cSld>
+    <p:spTree>
+      <p:nvGrpSpPr>
+        <p:cNvPr id="1" name=""/>
+        <p:cNvGrpSpPr/>
+        <p:nvPr/>
+      </p:nvGrpSpPr>
+      <p:grpSpPr>
+        <a:xfrm>
+          <a:off x="0" y="0"/>
+          <a:ext cx="0" cy="0"/>
+          <a:chOff x="0" y="0"/>
+          <a:chExt cx="0" cy="0"/>
+        </a:xfrm>
+      </p:grpSpPr>
+      <p:sp>
+        <p:nvSpPr>
+          <p:cNvPr id="2" name="Title 1">
+            <a:extLst>
+              <a:ext uri="{FF2B5EF4-FFF2-40B4-BE49-F238E27FC236}">
+                <a16:creationId xmlns:a16="http://schemas.microsoft.com/office/drawing/2014/main" id="{CBABCE34-95ED-41B7-912C-2CE32042791A}"/>
+              </a:ext>
+            </a:extLst>
+          </p:cNvPr>
+          <p:cNvSpPr>
+            <a:spLocks noGrp="1"/>
+          </p:cNvSpPr>
+          <p:nvPr>
+            <p:ph type="title"/>
+          </p:nvPr>
+        </p:nvSpPr>
+        <p:spPr/>
+        <p:txBody>
+          <a:bodyPr/>
+          <a:lstStyle/>
+          <a:p>
+            <a:r>
+              <a:rPr lang="en-US" dirty="0" err="1"/>
+              <a:t>readr</a:t>
+            </a:r>
+            <a:endParaRPr lang="en-US" dirty="0"/>
+          </a:p>
+        </p:txBody>
+      </p:sp>
+      <p:sp>
+        <p:nvSpPr>
+          <p:cNvPr id="3" name="Text Placeholder 2">
+            <a:extLst>
+              <a:ext uri="{FF2B5EF4-FFF2-40B4-BE49-F238E27FC236}">
+                <a16:creationId xmlns:a16="http://schemas.microsoft.com/office/drawing/2014/main" id="{60D76398-F39B-4A7D-B94A-40B0E6C9A702}"/>
+              </a:ext>
+            </a:extLst>
+          </p:cNvPr>
+          <p:cNvSpPr>
+            <a:spLocks noGrp="1"/>
+          </p:cNvSpPr>
+          <p:nvPr>
+            <p:ph type="body" sz="quarter" idx="10"/>
+          </p:nvPr>
+        </p:nvSpPr>
+        <p:spPr/>
+        <p:txBody>
+          <a:bodyPr/>
+          <a:lstStyle/>
+          <a:p>
+            <a:r>
+              <a:rPr lang="en-US" dirty="0"/>
+              <a:t>Pipes (%&gt;%): </a:t>
+            </a:r>
+            <a:r>
+              <a:rPr lang="en-US" dirty="0">
+                <a:solidFill>
+                  <a:schemeClr val="accent2"/>
+                </a:solidFill>
+                <a:hlinkClick r:id="rId2">
+                  <a:extLst>
+                    <a:ext uri="{A12FA001-AC4F-418D-AE19-62706E023703}">
+                      <ahyp:hlinkClr xmlns:ahyp="http://schemas.microsoft.com/office/drawing/2018/hyperlinkcolor" val="tx"/>
+                    </a:ext>
+                  </a:extLst>
+                </a:hlinkClick>
+              </a:rPr>
+              <a:t>https://uc-r.github.io/pipe</a:t>
+            </a:r>
+            <a:endParaRPr lang="en-US" dirty="0">
+              <a:solidFill>
+                <a:schemeClr val="accent2"/>
+              </a:solidFill>
+            </a:endParaRPr>
+          </a:p>
+          <a:p>
+            <a:r>
+              <a:rPr lang="en-US" dirty="0"/>
+              <a:t>Functions (</a:t>
+            </a:r>
+            <a:r>
+              <a:rPr lang="en-US" dirty="0">
+                <a:solidFill>
+                  <a:schemeClr val="accent2"/>
+                </a:solidFill>
+                <a:hlinkClick r:id="rId3">
+                  <a:extLst>
+                    <a:ext uri="{A12FA001-AC4F-418D-AE19-62706E023703}">
+                      <ahyp:hlinkClr xmlns:ahyp="http://schemas.microsoft.com/office/drawing/2018/hyperlinkcolor" val="tx"/>
+                    </a:ext>
+                  </a:extLst>
+                </a:hlinkClick>
+              </a:rPr>
+              <a:t>https://dplyr.tidyverse.org/</a:t>
+            </a:r>
+            <a:r>
+              <a:rPr lang="en-US" dirty="0">
+                <a:solidFill>
+                  <a:schemeClr val="accent2"/>
+                </a:solidFill>
+              </a:rPr>
+              <a:t>):</a:t>
+            </a:r>
+          </a:p>
+          <a:p>
+            <a:pPr lvl="1"/>
+            <a:r>
+              <a:rPr lang="en-US" dirty="0"/>
+              <a:t>mutate() adds new variables that are functions of existing variables</a:t>
+            </a:r>
+          </a:p>
+          <a:p>
+            <a:pPr lvl="1"/>
+            <a:r>
+              <a:rPr lang="en-US" dirty="0"/>
+              <a:t>select() picks variables based on their names.</a:t>
+            </a:r>
+          </a:p>
+          <a:p>
+            <a:pPr lvl="1"/>
+            <a:r>
+              <a:rPr lang="en-US" dirty="0"/>
+              <a:t>filter() picks cases based on their values.</a:t>
+            </a:r>
+          </a:p>
+          <a:p>
+            <a:pPr lvl="1"/>
+            <a:r>
+              <a:rPr lang="en-US" dirty="0" err="1"/>
+              <a:t>summarise</a:t>
+            </a:r>
+            <a:r>
+              <a:rPr lang="en-US" dirty="0"/>
+              <a:t>() reduces multiple values down to a single summary.</a:t>
+            </a:r>
+          </a:p>
+          <a:p>
+            <a:pPr lvl="1"/>
+            <a:r>
+              <a:rPr lang="en-US" dirty="0"/>
+              <a:t>arrange() changes the ordering of the rows.</a:t>
+            </a:r>
+          </a:p>
+          <a:p>
+            <a:endParaRPr lang="en-US" dirty="0"/>
+          </a:p>
+        </p:txBody>
+      </p:sp>
+    </p:spTree>
+    <p:extLst>
+      <p:ext uri="{BB962C8B-B14F-4D97-AF65-F5344CB8AC3E}">
+        <p14:creationId xmlns:p14="http://schemas.microsoft.com/office/powerpoint/2010/main" val="4042858653"/>
+      </p:ext>
+    </p:extLst>
+  </p:cSld>
+  <p:clrMapOvr>
+    <a:masterClrMapping/>
+  </p:clrMapOvr>
+</p:sld>
+</file>
+
+<file path=ppt/slides/slide9.xml><?xml version="1.0" encoding="utf-8"?>
+<p:sld xmlns:a="http://schemas.openxmlformats.org/drawingml/2006/main" xmlns:r="http://schemas.openxmlformats.org/officeDocument/2006/relationships" xmlns:p="http://schemas.openxmlformats.org/presentationml/2006/main">
+  <p:cSld>
+    <p:spTree>
+      <p:nvGrpSpPr>
+        <p:cNvPr id="1" name=""/>
+        <p:cNvGrpSpPr/>
+        <p:nvPr/>
+      </p:nvGrpSpPr>
+      <p:grpSpPr>
+        <a:xfrm>
+          <a:off x="0" y="0"/>
+          <a:ext cx="0" cy="0"/>
+          <a:chOff x="0" y="0"/>
+          <a:chExt cx="0" cy="0"/>
+        </a:xfrm>
+      </p:grpSpPr>
+      <p:sp>
+        <p:nvSpPr>
+          <p:cNvPr id="2" name="Title 1">
+            <a:extLst>
+              <a:ext uri="{FF2B5EF4-FFF2-40B4-BE49-F238E27FC236}">
+                <a16:creationId xmlns:a16="http://schemas.microsoft.com/office/drawing/2014/main" id="{CBABCE34-95ED-41B7-912C-2CE32042791A}"/>
+              </a:ext>
+            </a:extLst>
+          </p:cNvPr>
+          <p:cNvSpPr>
+            <a:spLocks noGrp="1"/>
+          </p:cNvSpPr>
+          <p:nvPr>
+            <p:ph type="title"/>
+          </p:nvPr>
+        </p:nvSpPr>
+        <p:spPr/>
+        <p:txBody>
+          <a:bodyPr/>
+          <a:lstStyle/>
+          <a:p>
+            <a:r>
+              <a:rPr lang="en-US" dirty="0" err="1"/>
+              <a:t>dplyr</a:t>
+            </a:r>
+            <a:endParaRPr lang="en-US" dirty="0"/>
+          </a:p>
+        </p:txBody>
+      </p:sp>
+      <p:sp>
+        <p:nvSpPr>
+          <p:cNvPr id="3" name="Text Placeholder 2">
+            <a:extLst>
+              <a:ext uri="{FF2B5EF4-FFF2-40B4-BE49-F238E27FC236}">
+                <a16:creationId xmlns:a16="http://schemas.microsoft.com/office/drawing/2014/main" id="{60D76398-F39B-4A7D-B94A-40B0E6C9A702}"/>
+              </a:ext>
+            </a:extLst>
+          </p:cNvPr>
+          <p:cNvSpPr>
+            <a:spLocks noGrp="1"/>
+          </p:cNvSpPr>
+          <p:nvPr>
+            <p:ph type="body" sz="quarter" idx="10"/>
+          </p:nvPr>
+        </p:nvSpPr>
+        <p:spPr/>
+        <p:txBody>
+          <a:bodyPr/>
+          <a:lstStyle/>
+          <a:p>
+            <a:r>
+              <a:rPr lang="en-US" dirty="0"/>
+              <a:t>Pipes (%&gt;%): </a:t>
+            </a:r>
+            <a:r>
+              <a:rPr lang="en-US" dirty="0">
+                <a:solidFill>
+                  <a:schemeClr val="accent2"/>
+                </a:solidFill>
+                <a:hlinkClick r:id="rId2">
+                  <a:extLst>
+                    <a:ext uri="{A12FA001-AC4F-418D-AE19-62706E023703}">
+                      <ahyp:hlinkClr xmlns:ahyp="http://schemas.microsoft.com/office/drawing/2018/hyperlinkcolor" val="tx"/>
+                    </a:ext>
+                  </a:extLst>
+                </a:hlinkClick>
+              </a:rPr>
+              <a:t>https://uc-r.github.io/pipe</a:t>
+            </a:r>
+            <a:endParaRPr lang="en-US" dirty="0">
+              <a:solidFill>
+                <a:schemeClr val="accent2"/>
+              </a:solidFill>
+            </a:endParaRPr>
+          </a:p>
+          <a:p>
+            <a:r>
+              <a:rPr lang="en-US" dirty="0"/>
+              <a:t>Functions (</a:t>
+            </a:r>
+            <a:r>
+              <a:rPr lang="en-US" dirty="0">
+                <a:solidFill>
+                  <a:schemeClr val="accent2"/>
+                </a:solidFill>
+                <a:hlinkClick r:id="rId3">
+                  <a:extLst>
+                    <a:ext uri="{A12FA001-AC4F-418D-AE19-62706E023703}">
+                      <ahyp:hlinkClr xmlns:ahyp="http://schemas.microsoft.com/office/drawing/2018/hyperlinkcolor" val="tx"/>
+                    </a:ext>
+                  </a:extLst>
+                </a:hlinkClick>
+              </a:rPr>
+              <a:t>https://dplyr.tidyverse.org/</a:t>
+            </a:r>
+            <a:r>
+              <a:rPr lang="en-US" dirty="0">
+                <a:solidFill>
+                  <a:schemeClr val="accent2"/>
+                </a:solidFill>
+              </a:rPr>
+              <a:t>):</a:t>
+            </a:r>
+          </a:p>
+          <a:p>
+            <a:pPr lvl="1"/>
+            <a:r>
+              <a:rPr lang="en-US" dirty="0"/>
+              <a:t>mutate() adds new variables that are functions of existing variables</a:t>
+            </a:r>
+          </a:p>
+          <a:p>
+            <a:pPr lvl="1"/>
+            <a:r>
+              <a:rPr lang="en-US" dirty="0"/>
+              <a:t>select() picks variables based on their names.</a:t>
+            </a:r>
+          </a:p>
+          <a:p>
+            <a:pPr lvl="1"/>
+            <a:r>
+              <a:rPr lang="en-US" dirty="0"/>
+              <a:t>filter() picks cases based on their values.</a:t>
+            </a:r>
+          </a:p>
+          <a:p>
+            <a:pPr lvl="1"/>
+            <a:r>
+              <a:rPr lang="en-US" dirty="0" err="1"/>
+              <a:t>summarise</a:t>
+            </a:r>
+            <a:r>
+              <a:rPr lang="en-US" dirty="0"/>
+              <a:t>() reduces multiple values down to a single summary.</a:t>
+            </a:r>
+          </a:p>
+          <a:p>
+            <a:pPr lvl="1"/>
+            <a:r>
+              <a:rPr lang="en-US" dirty="0"/>
+              <a:t>arrange() changes the ordering of the rows.</a:t>
+            </a:r>
+          </a:p>
+          <a:p>
+            <a:endParaRPr lang="en-US" dirty="0"/>
+          </a:p>
+        </p:txBody>
+      </p:sp>
+    </p:spTree>
+    <p:extLst>
+      <p:ext uri="{BB962C8B-B14F-4D97-AF65-F5344CB8AC3E}">
+        <p14:creationId xmlns:p14="http://schemas.microsoft.com/office/powerpoint/2010/main" val="3178632618"/>
       </p:ext>
     </p:extLst>
   </p:cSld>
@@ -22307,21 +23646,6 @@
 </file>
 
 <file path=customXml/item1.xml><?xml version="1.0" encoding="utf-8"?>
-<?mso-contentType ?>
-<FormTemplates xmlns="http://schemas.microsoft.com/sharepoint/v3/contenttype/forms">
-  <Display>DocumentLibraryForm</Display>
-  <Edit>DocumentLibraryForm</Edit>
-  <New>DocumentLibraryForm</New>
-</FormTemplates>
-</file>
-
-<file path=customXml/item2.xml><?xml version="1.0" encoding="utf-8"?>
-<p:properties xmlns:p="http://schemas.microsoft.com/office/2006/metadata/properties" xmlns:xsi="http://www.w3.org/2001/XMLSchema-instance" xmlns:pc="http://schemas.microsoft.com/office/infopath/2007/PartnerControls">
-  <documentManagement/>
-</p:properties>
-</file>
-
-<file path=customXml/item3.xml><?xml version="1.0" encoding="utf-8"?>
 <ct:contentTypeSchema xmlns:ct="http://schemas.microsoft.com/office/2006/metadata/contentType" xmlns:ma="http://schemas.microsoft.com/office/2006/metadata/properties/metaAttributes" ct:_="" ma:_="" ma:contentTypeName="Document" ma:contentTypeID="0x010100E6DFF81612CCC64AA410D4B1570458CF" ma:contentTypeVersion="2" ma:contentTypeDescription="Create a new document." ma:contentTypeScope="" ma:versionID="3e457ac2a606c964938e4ce15ddc946b">
   <xsd:schema xmlns:xsd="http://www.w3.org/2001/XMLSchema" xmlns:xs="http://www.w3.org/2001/XMLSchema" xmlns:p="http://schemas.microsoft.com/office/2006/metadata/properties" xmlns:ns2="7ada1e2f-e1e8-4e51-a8e0-982e6dc14b31" targetNamespace="http://schemas.microsoft.com/office/2006/metadata/properties" ma:root="true" ma:fieldsID="169dbfdaa510be79d5772e4d177564b1" ns2:_="">
     <xsd:import namespace="7ada1e2f-e1e8-4e51-a8e0-982e6dc14b31"/>
@@ -22453,24 +23777,22 @@
 </ct:contentTypeSchema>
 </file>
 
-<file path=customXml/itemProps1.xml><?xml version="1.0" encoding="utf-8"?>
-<ds:datastoreItem xmlns:ds="http://schemas.openxmlformats.org/officeDocument/2006/customXml" ds:itemID="{904F484D-D4A6-4083-ABE6-DF78E4E5190E}">
-  <ds:schemaRefs>
-    <ds:schemaRef ds:uri="http://schemas.microsoft.com/sharepoint/v3/contenttype/forms"/>
-  </ds:schemaRefs>
-</ds:datastoreItem>
+<file path=customXml/item2.xml><?xml version="1.0" encoding="utf-8"?>
+<p:properties xmlns:p="http://schemas.microsoft.com/office/2006/metadata/properties" xmlns:xsi="http://www.w3.org/2001/XMLSchema-instance" xmlns:pc="http://schemas.microsoft.com/office/infopath/2007/PartnerControls">
+  <documentManagement/>
+</p:properties>
 </file>
 
-<file path=customXml/itemProps2.xml><?xml version="1.0" encoding="utf-8"?>
-<ds:datastoreItem xmlns:ds="http://schemas.openxmlformats.org/officeDocument/2006/customXml" ds:itemID="{6B181461-BA90-456E-826A-3A7574345911}">
-  <ds:schemaRefs>
-    <ds:schemaRef ds:uri="http://schemas.microsoft.com/office/2006/metadata/properties"/>
-    <ds:schemaRef ds:uri="http://schemas.microsoft.com/office/infopath/2007/PartnerControls"/>
-  </ds:schemaRefs>
-</ds:datastoreItem>
+<file path=customXml/item3.xml><?xml version="1.0" encoding="utf-8"?>
+<?mso-contentType ?>
+<FormTemplates xmlns="http://schemas.microsoft.com/sharepoint/v3/contenttype/forms">
+  <Display>DocumentLibraryForm</Display>
+  <Edit>DocumentLibraryForm</Edit>
+  <New>DocumentLibraryForm</New>
+</FormTemplates>
 </file>
 
-<file path=customXml/itemProps3.xml><?xml version="1.0" encoding="utf-8"?>
+<file path=customXml/itemProps1.xml><?xml version="1.0" encoding="utf-8"?>
 <ds:datastoreItem xmlns:ds="http://schemas.openxmlformats.org/officeDocument/2006/customXml" ds:itemID="{C1003363-473D-4426-8C9C-075D83EE8241}">
   <ds:schemaRefs>
     <ds:schemaRef ds:uri="http://schemas.microsoft.com/office/2006/metadata/contentType"/>
@@ -22486,4 +23808,21 @@
     <ds:schemaRef ds:uri="http://schemas.microsoft.com/internal/obd"/>
   </ds:schemaRefs>
 </ds:datastoreItem>
+</file>
+
+<file path=customXml/itemProps2.xml><?xml version="1.0" encoding="utf-8"?>
+<ds:datastoreItem xmlns:ds="http://schemas.openxmlformats.org/officeDocument/2006/customXml" ds:itemID="{6B181461-BA90-456E-826A-3A7574345911}">
+  <ds:schemaRefs>
+    <ds:schemaRef ds:uri="http://schemas.microsoft.com/office/2006/metadata/properties"/>
+    <ds:schemaRef ds:uri="http://schemas.microsoft.com/office/infopath/2007/PartnerControls"/>
+  </ds:schemaRefs>
+</ds:datastoreItem>
+</file>
+
+<file path=customXml/itemProps3.xml><?xml version="1.0" encoding="utf-8"?>
+<ds:datastoreItem xmlns:ds="http://schemas.openxmlformats.org/officeDocument/2006/customXml" ds:itemID="{904F484D-D4A6-4083-ABE6-DF78E4E5190E}">
+  <ds:schemaRefs>
+    <ds:schemaRef ds:uri="http://schemas.microsoft.com/sharepoint/v3/contenttype/forms"/>
+  </ds:schemaRefs>
+</ds:datastoreItem>
 </file>